--- a/monitoring_echanges_2/illus.pptx
+++ b/monitoring_echanges_2/illus.pptx
@@ -12071,25 +12071,6 @@
           <a:chExt cx="0" cy="0"/>
         </a:xfrm>
       </p:grpSpPr>
-      <p:sp>
-        <p:nvSpPr>
-          <p:cNvPr id="3" name="Titre 2"/>
-          <p:cNvSpPr>
-            <a:spLocks noGrp="1"/>
-          </p:cNvSpPr>
-          <p:nvPr>
-            <p:ph type="title"/>
-          </p:nvPr>
-        </p:nvSpPr>
-        <p:spPr/>
-        <p:txBody>
-          <a:bodyPr/>
-          <a:lstStyle/>
-          <a:p>
-            <a:endParaRPr lang="fr-FR" dirty="0"/>
-          </a:p>
-        </p:txBody>
-      </p:sp>
       <p:cxnSp>
         <p:nvCxnSpPr>
           <p:cNvPr id="62" name="Connecteur droit avec flèche 61"/>
@@ -12570,13 +12551,6 @@
               </a:rPr>
               <a:t>Serveur de services</a:t>
             </a:r>
-            <a:endParaRPr lang="fr-FR" sz="1200" dirty="0" smtClean="0">
-              <a:solidFill>
-                <a:srgbClr val="15AABE"/>
-              </a:solidFill>
-              <a:latin typeface="Arial"/>
-              <a:ea typeface="ＭＳ Ｐゴシック" pitchFamily="-104" charset="-128"/>
-            </a:endParaRPr>
           </a:p>
         </p:txBody>
       </p:sp>
@@ -13039,15 +13013,22 @@
               </a:spcAft>
             </a:pPr>
             <a:r>
-              <a:rPr lang="fr-FR" sz="1200" dirty="0" smtClean="0">
+              <a:rPr lang="fr-FR" sz="1200" dirty="0" err="1" smtClean="0">
                 <a:solidFill>
                   <a:srgbClr val="15AABE"/>
                 </a:solidFill>
                 <a:latin typeface="Arial"/>
                 <a:ea typeface="ＭＳ Ｐゴシック" pitchFamily="-104" charset="-128"/>
               </a:rPr>
-              <a:t>Back end</a:t>
-            </a:r>
+              <a:t>Backend</a:t>
+            </a:r>
+            <a:endParaRPr lang="fr-FR" sz="1200" dirty="0" smtClean="0">
+              <a:solidFill>
+                <a:srgbClr val="15AABE"/>
+              </a:solidFill>
+              <a:latin typeface="Arial"/>
+              <a:ea typeface="ＭＳ Ｐゴシック" pitchFamily="-104" charset="-128"/>
+            </a:endParaRPr>
           </a:p>
           <a:p>
             <a:pPr algn="r" defTabSz="914400" eaLnBrk="0" fontAlgn="base" hangingPunct="0">
@@ -13750,25 +13731,6 @@
           <a:chExt cx="0" cy="0"/>
         </a:xfrm>
       </p:grpSpPr>
-      <p:sp>
-        <p:nvSpPr>
-          <p:cNvPr id="3" name="Titre 2"/>
-          <p:cNvSpPr>
-            <a:spLocks noGrp="1"/>
-          </p:cNvSpPr>
-          <p:nvPr>
-            <p:ph type="title"/>
-          </p:nvPr>
-        </p:nvSpPr>
-        <p:spPr/>
-        <p:txBody>
-          <a:bodyPr/>
-          <a:lstStyle/>
-          <a:p>
-            <a:endParaRPr lang="fr-FR" dirty="0"/>
-          </a:p>
-        </p:txBody>
-      </p:sp>
       <p:cxnSp>
         <p:nvCxnSpPr>
           <p:cNvPr id="62" name="Connecteur droit avec flèche 61"/>
@@ -14229,8 +14191,15 @@
                 <a:latin typeface="Arial"/>
                 <a:ea typeface="ＭＳ Ｐゴシック" pitchFamily="-104" charset="-128"/>
               </a:rPr>
-              <a:t>Middle end</a:t>
-            </a:r>
+              <a:t>Middle-end</a:t>
+            </a:r>
+            <a:endParaRPr lang="fr-FR" sz="1200" dirty="0" smtClean="0">
+              <a:solidFill>
+                <a:srgbClr val="15AABE"/>
+              </a:solidFill>
+              <a:latin typeface="Arial"/>
+              <a:ea typeface="ＭＳ Ｐゴシック" pitchFamily="-104" charset="-128"/>
+            </a:endParaRPr>
           </a:p>
           <a:p>
             <a:pPr algn="r" defTabSz="914400" eaLnBrk="0" fontAlgn="base" hangingPunct="0">
@@ -14251,13 +14220,6 @@
               </a:rPr>
               <a:t>Serveur de services</a:t>
             </a:r>
-            <a:endParaRPr lang="fr-FR" sz="1200" dirty="0" smtClean="0">
-              <a:solidFill>
-                <a:srgbClr val="15AABE"/>
-              </a:solidFill>
-              <a:latin typeface="Arial"/>
-              <a:ea typeface="ＭＳ Ｐゴシック" pitchFamily="-104" charset="-128"/>
-            </a:endParaRPr>
           </a:p>
         </p:txBody>
       </p:sp>
@@ -14540,15 +14502,22 @@
               </a:spcAft>
             </a:pPr>
             <a:r>
-              <a:rPr lang="fr-FR" sz="1200" dirty="0" smtClean="0">
+              <a:rPr lang="fr-FR" sz="1200" dirty="0" err="1" smtClean="0">
                 <a:solidFill>
                   <a:srgbClr val="15AABE"/>
                 </a:solidFill>
                 <a:latin typeface="Arial"/>
                 <a:ea typeface="ＭＳ Ｐゴシック" pitchFamily="-104" charset="-128"/>
               </a:rPr>
-              <a:t>Back end</a:t>
-            </a:r>
+              <a:t>Backend</a:t>
+            </a:r>
+            <a:endParaRPr lang="fr-FR" sz="1200" dirty="0" smtClean="0">
+              <a:solidFill>
+                <a:srgbClr val="15AABE"/>
+              </a:solidFill>
+              <a:latin typeface="Arial"/>
+              <a:ea typeface="ＭＳ Ｐゴシック" pitchFamily="-104" charset="-128"/>
+            </a:endParaRPr>
           </a:p>
           <a:p>
             <a:pPr algn="r" defTabSz="914400" eaLnBrk="0" fontAlgn="base" hangingPunct="0">

--- a/monitoring_echanges_2/illus.pptx
+++ b/monitoring_echanges_2/illus.pptx
@@ -7,6 +7,7 @@
   <p:sldIdLst>
     <p:sldId id="261" r:id="rId2"/>
     <p:sldId id="263" r:id="rId3"/>
+    <p:sldId id="264" r:id="rId4"/>
   </p:sldIdLst>
   <p:sldSz cx="9144000" cy="6858000" type="screen4x3"/>
   <p:notesSz cx="6858000" cy="9144000"/>
@@ -14193,13 +14194,6 @@
               </a:rPr>
               <a:t>Middle-end</a:t>
             </a:r>
-            <a:endParaRPr lang="fr-FR" sz="1200" dirty="0" smtClean="0">
-              <a:solidFill>
-                <a:srgbClr val="15AABE"/>
-              </a:solidFill>
-              <a:latin typeface="Arial"/>
-              <a:ea typeface="ＭＳ Ｐゴシック" pitchFamily="-104" charset="-128"/>
-            </a:endParaRPr>
           </a:p>
           <a:p>
             <a:pPr algn="r" defTabSz="914400" eaLnBrk="0" fontAlgn="base" hangingPunct="0">
@@ -15527,6 +15521,1946 @@
     <p:extLst>
       <p:ext uri="{BB962C8B-B14F-4D97-AF65-F5344CB8AC3E}">
         <p14:creationId xmlns:p14="http://schemas.microsoft.com/office/powerpoint/2010/main" val="2743925770"/>
+      </p:ext>
+    </p:extLst>
+  </p:cSld>
+  <p:clrMapOvr>
+    <a:masterClrMapping/>
+  </p:clrMapOvr>
+  <p:timing>
+    <p:tnLst>
+      <p:par>
+        <p:cTn xmlns:p14="http://schemas.microsoft.com/office/powerpoint/2010/main" id="1" dur="indefinite" restart="never" nodeType="tmRoot"/>
+      </p:par>
+    </p:tnLst>
+  </p:timing>
+</p:sld>
+</file>
+
+<file path=ppt/slides/slide3.xml><?xml version="1.0" encoding="utf-8"?>
+<p:sld xmlns:a="http://schemas.openxmlformats.org/drawingml/2006/main" xmlns:r="http://schemas.openxmlformats.org/officeDocument/2006/relationships" xmlns:p="http://schemas.openxmlformats.org/presentationml/2006/main">
+  <p:cSld>
+    <p:spTree>
+      <p:nvGrpSpPr>
+        <p:cNvPr id="1" name=""/>
+        <p:cNvGrpSpPr/>
+        <p:nvPr/>
+      </p:nvGrpSpPr>
+      <p:grpSpPr>
+        <a:xfrm>
+          <a:off x="0" y="0"/>
+          <a:ext cx="0" cy="0"/>
+          <a:chOff x="0" y="0"/>
+          <a:chExt cx="0" cy="0"/>
+        </a:xfrm>
+      </p:grpSpPr>
+      <p:cxnSp>
+        <p:nvCxnSpPr>
+          <p:cNvPr id="62" name="Connecteur droit avec flèche 61"/>
+          <p:cNvCxnSpPr>
+            <a:stCxn id="67" idx="3"/>
+            <a:endCxn id="100" idx="1"/>
+          </p:cNvCxnSpPr>
+          <p:nvPr/>
+        </p:nvCxnSpPr>
+        <p:spPr bwMode="auto">
+          <a:xfrm>
+            <a:off x="7413298" y="5072957"/>
+            <a:ext cx="827092" cy="688"/>
+          </a:xfrm>
+          <a:prstGeom prst="straightConnector1">
+            <a:avLst/>
+          </a:prstGeom>
+          <a:solidFill>
+            <a:schemeClr val="accent1"/>
+          </a:solidFill>
+          <a:ln w="9525" cap="flat" cmpd="sng" algn="ctr">
+            <a:solidFill>
+              <a:srgbClr val="E63527"/>
+            </a:solidFill>
+            <a:prstDash val="solid"/>
+            <a:round/>
+            <a:headEnd type="arrow"/>
+            <a:tailEnd type="arrow"/>
+          </a:ln>
+          <a:effectLst/>
+        </p:spPr>
+      </p:cxnSp>
+      <p:pic>
+        <p:nvPicPr>
+          <p:cNvPr id="4" name="Image 3" descr="OctoMan_Pos.png"/>
+          <p:cNvPicPr>
+            <a:picLocks noChangeAspect="1"/>
+          </p:cNvPicPr>
+          <p:nvPr/>
+        </p:nvPicPr>
+        <p:blipFill>
+          <a:blip r:embed="rId2">
+            <a:extLst>
+              <a:ext uri="{28A0092B-C50C-407E-A947-70E740481C1C}">
+                <a14:useLocalDpi xmlns:a14="http://schemas.microsoft.com/office/drawing/2010/main" val="0"/>
+              </a:ext>
+            </a:extLst>
+          </a:blip>
+          <a:stretch>
+            <a:fillRect/>
+          </a:stretch>
+        </p:blipFill>
+        <p:spPr>
+          <a:xfrm>
+            <a:off x="1924124" y="1079900"/>
+            <a:ext cx="438627" cy="573904"/>
+          </a:xfrm>
+          <a:prstGeom prst="rect">
+            <a:avLst/>
+          </a:prstGeom>
+        </p:spPr>
+      </p:pic>
+      <p:cxnSp>
+        <p:nvCxnSpPr>
+          <p:cNvPr id="6" name="Connecteur droit avec flèche 5"/>
+          <p:cNvCxnSpPr/>
+          <p:nvPr/>
+        </p:nvCxnSpPr>
+        <p:spPr bwMode="auto">
+          <a:xfrm flipH="1">
+            <a:off x="2066030" y="2185954"/>
+            <a:ext cx="6854" cy="540000"/>
+          </a:xfrm>
+          <a:prstGeom prst="straightConnector1">
+            <a:avLst/>
+          </a:prstGeom>
+          <a:ln w="9525" cmpd="sng">
+            <a:headEnd type="none" w="med" len="med"/>
+            <a:tailEnd type="arrow"/>
+          </a:ln>
+          <a:effectLst/>
+        </p:spPr>
+        <p:style>
+          <a:lnRef idx="3">
+            <a:schemeClr val="accent6"/>
+          </a:lnRef>
+          <a:fillRef idx="0">
+            <a:schemeClr val="accent6"/>
+          </a:fillRef>
+          <a:effectRef idx="2">
+            <a:schemeClr val="accent6"/>
+          </a:effectRef>
+          <a:fontRef idx="minor">
+            <a:schemeClr val="tx1"/>
+          </a:fontRef>
+        </p:style>
+      </p:cxnSp>
+      <p:sp>
+        <p:nvSpPr>
+          <p:cNvPr id="55" name="Cylindre 54"/>
+          <p:cNvSpPr/>
+          <p:nvPr/>
+        </p:nvSpPr>
+        <p:spPr>
+          <a:xfrm>
+            <a:off x="4460211" y="2771624"/>
+            <a:ext cx="204684" cy="3175870"/>
+          </a:xfrm>
+          <a:prstGeom prst="can">
+            <a:avLst/>
+          </a:prstGeom>
+          <a:ln/>
+        </p:spPr>
+        <p:style>
+          <a:lnRef idx="2">
+            <a:schemeClr val="accent4">
+              <a:shade val="50000"/>
+            </a:schemeClr>
+          </a:lnRef>
+          <a:fillRef idx="1">
+            <a:schemeClr val="accent4"/>
+          </a:fillRef>
+          <a:effectRef idx="0">
+            <a:schemeClr val="accent4"/>
+          </a:effectRef>
+          <a:fontRef idx="minor">
+            <a:schemeClr val="lt1"/>
+          </a:fontRef>
+        </p:style>
+        <p:txBody>
+          <a:bodyPr vert="horz" wrap="square" lIns="91440" tIns="45720" rIns="91440" bIns="45720" numCol="1" rtlCol="0" anchor="ctr" anchorCtr="0" compatLnSpc="1">
+            <a:prstTxWarp prst="textNoShape">
+              <a:avLst/>
+            </a:prstTxWarp>
+          </a:bodyPr>
+          <a:lstStyle/>
+          <a:p>
+            <a:pPr algn="ctr" defTabSz="914400" eaLnBrk="0" fontAlgn="base" hangingPunct="0">
+              <a:spcBef>
+                <a:spcPct val="0"/>
+              </a:spcBef>
+              <a:spcAft>
+                <a:spcPct val="0"/>
+              </a:spcAft>
+            </a:pPr>
+            <a:endParaRPr lang="fr-FR" sz="1200" dirty="0">
+              <a:solidFill>
+                <a:srgbClr val="00A2D8"/>
+              </a:solidFill>
+              <a:latin typeface="Arial"/>
+            </a:endParaRPr>
+          </a:p>
+        </p:txBody>
+      </p:sp>
+      <p:cxnSp>
+        <p:nvCxnSpPr>
+          <p:cNvPr id="95" name="Connecteur droit avec flèche 94"/>
+          <p:cNvCxnSpPr>
+            <a:endCxn id="66" idx="1"/>
+          </p:cNvCxnSpPr>
+          <p:nvPr/>
+        </p:nvCxnSpPr>
+        <p:spPr bwMode="auto">
+          <a:xfrm>
+            <a:off x="4616139" y="5072957"/>
+            <a:ext cx="612249" cy="0"/>
+          </a:xfrm>
+          <a:prstGeom prst="straightConnector1">
+            <a:avLst/>
+          </a:prstGeom>
+          <a:ln w="9525" cmpd="sng">
+            <a:solidFill>
+              <a:srgbClr val="E63527"/>
+            </a:solidFill>
+            <a:headEnd type="none" w="med" len="med"/>
+            <a:tailEnd type="arrow"/>
+          </a:ln>
+          <a:effectLst/>
+        </p:spPr>
+        <p:style>
+          <a:lnRef idx="3">
+            <a:schemeClr val="accent6"/>
+          </a:lnRef>
+          <a:fillRef idx="0">
+            <a:schemeClr val="accent6"/>
+          </a:fillRef>
+          <a:effectRef idx="2">
+            <a:schemeClr val="accent6"/>
+          </a:effectRef>
+          <a:fontRef idx="minor">
+            <a:schemeClr val="tx1"/>
+          </a:fontRef>
+        </p:style>
+      </p:cxnSp>
+      <p:pic>
+        <p:nvPicPr>
+          <p:cNvPr id="99" name="Image 98" descr="MATRICES_5-normal-06.png"/>
+          <p:cNvPicPr>
+            <a:picLocks noChangeAspect="1"/>
+          </p:cNvPicPr>
+          <p:nvPr/>
+        </p:nvPicPr>
+        <p:blipFill>
+          <a:blip r:embed="rId3">
+            <a:extLst>
+              <a:ext uri="{28A0092B-C50C-407E-A947-70E740481C1C}">
+                <a14:useLocalDpi xmlns:a14="http://schemas.microsoft.com/office/drawing/2010/main" val="0"/>
+              </a:ext>
+            </a:extLst>
+          </a:blip>
+          <a:stretch>
+            <a:fillRect/>
+          </a:stretch>
+        </p:blipFill>
+        <p:spPr>
+          <a:xfrm>
+            <a:off x="8185415" y="4822097"/>
+            <a:ext cx="654686" cy="587106"/>
+          </a:xfrm>
+          <a:prstGeom prst="rect">
+            <a:avLst/>
+          </a:prstGeom>
+        </p:spPr>
+      </p:pic>
+      <p:pic>
+        <p:nvPicPr>
+          <p:cNvPr id="100" name="Image 99" descr="51541.png"/>
+          <p:cNvPicPr>
+            <a:picLocks noChangeAspect="1"/>
+          </p:cNvPicPr>
+          <p:nvPr/>
+        </p:nvPicPr>
+        <p:blipFill>
+          <a:blip r:embed="rId4">
+            <a:duotone>
+              <a:schemeClr val="accent2">
+                <a:shade val="45000"/>
+                <a:satMod val="135000"/>
+              </a:schemeClr>
+              <a:prstClr val="white"/>
+            </a:duotone>
+            <a:extLst>
+              <a:ext uri="{28A0092B-C50C-407E-A947-70E740481C1C}">
+                <a14:useLocalDpi xmlns:a14="http://schemas.microsoft.com/office/drawing/2010/main" val="0"/>
+              </a:ext>
+            </a:extLst>
+          </a:blip>
+          <a:stretch>
+            <a:fillRect/>
+          </a:stretch>
+        </p:blipFill>
+        <p:spPr>
+          <a:xfrm>
+            <a:off x="8240390" y="4893625"/>
+            <a:ext cx="521903" cy="360040"/>
+          </a:xfrm>
+          <a:prstGeom prst="rect">
+            <a:avLst/>
+          </a:prstGeom>
+        </p:spPr>
+      </p:pic>
+      <p:pic>
+        <p:nvPicPr>
+          <p:cNvPr id="7" name="Image 6"/>
+          <p:cNvPicPr>
+            <a:picLocks noChangeAspect="1"/>
+          </p:cNvPicPr>
+          <p:nvPr/>
+        </p:nvPicPr>
+        <p:blipFill>
+          <a:blip r:embed="rId5"/>
+          <a:stretch>
+            <a:fillRect/>
+          </a:stretch>
+        </p:blipFill>
+        <p:spPr>
+          <a:xfrm>
+            <a:off x="1865152" y="1692837"/>
+            <a:ext cx="556571" cy="481359"/>
+          </a:xfrm>
+          <a:prstGeom prst="rect">
+            <a:avLst/>
+          </a:prstGeom>
+        </p:spPr>
+      </p:pic>
+      <p:sp>
+        <p:nvSpPr>
+          <p:cNvPr id="46" name="Cylindre 45"/>
+          <p:cNvSpPr/>
+          <p:nvPr/>
+        </p:nvSpPr>
+        <p:spPr>
+          <a:xfrm>
+            <a:off x="2089432" y="4647738"/>
+            <a:ext cx="108013" cy="540000"/>
+          </a:xfrm>
+          <a:prstGeom prst="can">
+            <a:avLst/>
+          </a:prstGeom>
+          <a:solidFill>
+            <a:schemeClr val="accent1">
+              <a:lumMod val="75000"/>
+            </a:schemeClr>
+          </a:solidFill>
+          <a:ln/>
+        </p:spPr>
+        <p:style>
+          <a:lnRef idx="1">
+            <a:schemeClr val="accent6"/>
+          </a:lnRef>
+          <a:fillRef idx="3">
+            <a:schemeClr val="accent6"/>
+          </a:fillRef>
+          <a:effectRef idx="2">
+            <a:schemeClr val="accent6"/>
+          </a:effectRef>
+          <a:fontRef idx="minor">
+            <a:schemeClr val="lt1"/>
+          </a:fontRef>
+        </p:style>
+        <p:txBody>
+          <a:bodyPr vert="horz" wrap="square" lIns="91440" tIns="45720" rIns="91440" bIns="45720" numCol="1" rtlCol="0" anchor="ctr" anchorCtr="0" compatLnSpc="1">
+            <a:prstTxWarp prst="textNoShape">
+              <a:avLst/>
+            </a:prstTxWarp>
+          </a:bodyPr>
+          <a:lstStyle/>
+          <a:p>
+            <a:pPr algn="ctr" defTabSz="914400" eaLnBrk="0" fontAlgn="base" hangingPunct="0">
+              <a:spcBef>
+                <a:spcPct val="0"/>
+              </a:spcBef>
+              <a:spcAft>
+                <a:spcPct val="0"/>
+              </a:spcAft>
+            </a:pPr>
+            <a:endParaRPr lang="fr-FR" sz="1200" dirty="0">
+              <a:solidFill>
+                <a:srgbClr val="00A2D8"/>
+              </a:solidFill>
+              <a:latin typeface="Arial"/>
+            </a:endParaRPr>
+          </a:p>
+        </p:txBody>
+      </p:sp>
+      <p:sp>
+        <p:nvSpPr>
+          <p:cNvPr id="48" name="ZoneTexte 47"/>
+          <p:cNvSpPr txBox="1"/>
+          <p:nvPr/>
+        </p:nvSpPr>
+        <p:spPr>
+          <a:xfrm>
+            <a:off x="868280" y="2848603"/>
+            <a:ext cx="1095158" cy="461665"/>
+          </a:xfrm>
+          <a:prstGeom prst="rect">
+            <a:avLst/>
+          </a:prstGeom>
+          <a:noFill/>
+        </p:spPr>
+        <p:txBody>
+          <a:bodyPr wrap="none" rtlCol="0">
+            <a:spAutoFit/>
+          </a:bodyPr>
+          <a:lstStyle/>
+          <a:p>
+            <a:pPr algn="r" defTabSz="914400" eaLnBrk="0" fontAlgn="base" hangingPunct="0">
+              <a:spcBef>
+                <a:spcPct val="0"/>
+              </a:spcBef>
+              <a:spcAft>
+                <a:spcPct val="0"/>
+              </a:spcAft>
+            </a:pPr>
+            <a:r>
+              <a:rPr lang="fr-FR" sz="1200" dirty="0" err="1" smtClean="0">
+                <a:solidFill>
+                  <a:srgbClr val="15AABE"/>
+                </a:solidFill>
+                <a:latin typeface="Arial"/>
+                <a:ea typeface="ＭＳ Ｐゴシック" pitchFamily="-104" charset="-128"/>
+              </a:rPr>
+              <a:t>Frontend</a:t>
+            </a:r>
+            <a:endParaRPr lang="fr-FR" sz="1200" dirty="0" smtClean="0">
+              <a:solidFill>
+                <a:srgbClr val="15AABE"/>
+              </a:solidFill>
+              <a:latin typeface="Arial"/>
+              <a:ea typeface="ＭＳ Ｐゴシック" pitchFamily="-104" charset="-128"/>
+            </a:endParaRPr>
+          </a:p>
+          <a:p>
+            <a:pPr algn="r" defTabSz="914400" eaLnBrk="0" fontAlgn="base" hangingPunct="0">
+              <a:spcBef>
+                <a:spcPct val="0"/>
+              </a:spcBef>
+              <a:spcAft>
+                <a:spcPct val="0"/>
+              </a:spcAft>
+            </a:pPr>
+            <a:r>
+              <a:rPr lang="fr-FR" sz="1200" dirty="0" smtClean="0">
+                <a:solidFill>
+                  <a:srgbClr val="15AABE"/>
+                </a:solidFill>
+                <a:latin typeface="Arial"/>
+                <a:ea typeface="ＭＳ Ｐゴシック" pitchFamily="-104" charset="-128"/>
+              </a:rPr>
+              <a:t>Serveur web</a:t>
+            </a:r>
+            <a:endParaRPr lang="fr-FR" sz="1200" dirty="0">
+              <a:solidFill>
+                <a:srgbClr val="15AABE"/>
+              </a:solidFill>
+              <a:latin typeface="Arial"/>
+              <a:ea typeface="ＭＳ Ｐゴシック" pitchFamily="-104" charset="-128"/>
+            </a:endParaRPr>
+          </a:p>
+        </p:txBody>
+      </p:sp>
+      <p:sp>
+        <p:nvSpPr>
+          <p:cNvPr id="49" name="ZoneTexte 48"/>
+          <p:cNvSpPr txBox="1"/>
+          <p:nvPr/>
+        </p:nvSpPr>
+        <p:spPr>
+          <a:xfrm>
+            <a:off x="348654" y="4073820"/>
+            <a:ext cx="1582647" cy="461665"/>
+          </a:xfrm>
+          <a:prstGeom prst="rect">
+            <a:avLst/>
+          </a:prstGeom>
+          <a:noFill/>
+        </p:spPr>
+        <p:txBody>
+          <a:bodyPr wrap="none" rtlCol="0">
+            <a:spAutoFit/>
+          </a:bodyPr>
+          <a:lstStyle/>
+          <a:p>
+            <a:pPr algn="r" defTabSz="914400" eaLnBrk="0" fontAlgn="base" hangingPunct="0">
+              <a:spcBef>
+                <a:spcPct val="0"/>
+              </a:spcBef>
+              <a:spcAft>
+                <a:spcPct val="0"/>
+              </a:spcAft>
+            </a:pPr>
+            <a:r>
+              <a:rPr lang="fr-FR" sz="1200" dirty="0" smtClean="0">
+                <a:solidFill>
+                  <a:srgbClr val="15AABE"/>
+                </a:solidFill>
+                <a:latin typeface="Arial"/>
+                <a:ea typeface="ＭＳ Ｐゴシック" pitchFamily="-104" charset="-128"/>
+              </a:rPr>
+              <a:t>Middle-end</a:t>
+            </a:r>
+          </a:p>
+          <a:p>
+            <a:pPr algn="r" defTabSz="914400" eaLnBrk="0" fontAlgn="base" hangingPunct="0">
+              <a:spcBef>
+                <a:spcPct val="0"/>
+              </a:spcBef>
+              <a:spcAft>
+                <a:spcPct val="0"/>
+              </a:spcAft>
+            </a:pPr>
+            <a:r>
+              <a:rPr lang="fr-FR" sz="1200" dirty="0" smtClean="0">
+                <a:solidFill>
+                  <a:srgbClr val="15AABE"/>
+                </a:solidFill>
+                <a:latin typeface="Arial"/>
+                <a:ea typeface="ＭＳ Ｐゴシック" pitchFamily="-104" charset="-128"/>
+              </a:rPr>
+              <a:t>Serveur de services</a:t>
+            </a:r>
+          </a:p>
+        </p:txBody>
+      </p:sp>
+      <p:pic>
+        <p:nvPicPr>
+          <p:cNvPr id="50" name="Image 49" descr="UC-S2_Pos.png"/>
+          <p:cNvPicPr>
+            <a:picLocks noChangeAspect="1"/>
+          </p:cNvPicPr>
+          <p:nvPr/>
+        </p:nvPicPr>
+        <p:blipFill>
+          <a:blip r:embed="rId6">
+            <a:grayscl/>
+            <a:extLst>
+              <a:ext uri="{28A0092B-C50C-407E-A947-70E740481C1C}">
+                <a14:useLocalDpi xmlns:a14="http://schemas.microsoft.com/office/drawing/2010/main" val="0"/>
+              </a:ext>
+            </a:extLst>
+          </a:blip>
+          <a:stretch>
+            <a:fillRect/>
+          </a:stretch>
+        </p:blipFill>
+        <p:spPr>
+          <a:xfrm>
+            <a:off x="1956584" y="2771624"/>
+            <a:ext cx="360000" cy="615623"/>
+          </a:xfrm>
+          <a:prstGeom prst="rect">
+            <a:avLst/>
+          </a:prstGeom>
+        </p:spPr>
+      </p:pic>
+      <p:sp>
+        <p:nvSpPr>
+          <p:cNvPr id="51" name="ZoneTexte 50"/>
+          <p:cNvSpPr txBox="1"/>
+          <p:nvPr/>
+        </p:nvSpPr>
+        <p:spPr>
+          <a:xfrm>
+            <a:off x="1061751" y="1807772"/>
+            <a:ext cx="774897" cy="276999"/>
+          </a:xfrm>
+          <a:prstGeom prst="rect">
+            <a:avLst/>
+          </a:prstGeom>
+          <a:noFill/>
+        </p:spPr>
+        <p:txBody>
+          <a:bodyPr wrap="none" rtlCol="0">
+            <a:spAutoFit/>
+          </a:bodyPr>
+          <a:lstStyle/>
+          <a:p>
+            <a:pPr defTabSz="914400" eaLnBrk="0" fontAlgn="base" hangingPunct="0">
+              <a:spcBef>
+                <a:spcPct val="0"/>
+              </a:spcBef>
+              <a:spcAft>
+                <a:spcPct val="0"/>
+              </a:spcAft>
+            </a:pPr>
+            <a:r>
+              <a:rPr lang="fr-FR" sz="1200" dirty="0" smtClean="0">
+                <a:solidFill>
+                  <a:srgbClr val="15AABE"/>
+                </a:solidFill>
+                <a:latin typeface="Arial"/>
+                <a:ea typeface="ＭＳ Ｐゴシック" pitchFamily="-104" charset="-128"/>
+              </a:rPr>
+              <a:t>Site web</a:t>
+            </a:r>
+            <a:endParaRPr lang="fr-FR" sz="1200" dirty="0">
+              <a:solidFill>
+                <a:srgbClr val="15AABE"/>
+              </a:solidFill>
+              <a:latin typeface="Arial"/>
+              <a:ea typeface="ＭＳ Ｐゴシック" pitchFamily="-104" charset="-128"/>
+            </a:endParaRPr>
+          </a:p>
+        </p:txBody>
+      </p:sp>
+      <p:pic>
+        <p:nvPicPr>
+          <p:cNvPr id="54" name="Image 53" descr="UC-S2_Pos.png"/>
+          <p:cNvPicPr>
+            <a:picLocks noChangeAspect="1"/>
+          </p:cNvPicPr>
+          <p:nvPr/>
+        </p:nvPicPr>
+        <p:blipFill>
+          <a:blip r:embed="rId6">
+            <a:grayscl/>
+            <a:extLst>
+              <a:ext uri="{28A0092B-C50C-407E-A947-70E740481C1C}">
+                <a14:useLocalDpi xmlns:a14="http://schemas.microsoft.com/office/drawing/2010/main" val="0"/>
+              </a:ext>
+            </a:extLst>
+          </a:blip>
+          <a:stretch>
+            <a:fillRect/>
+          </a:stretch>
+        </p:blipFill>
+        <p:spPr>
+          <a:xfrm>
+            <a:off x="1963438" y="3996841"/>
+            <a:ext cx="360000" cy="615623"/>
+          </a:xfrm>
+          <a:prstGeom prst="rect">
+            <a:avLst/>
+          </a:prstGeom>
+        </p:spPr>
+      </p:pic>
+      <p:cxnSp>
+        <p:nvCxnSpPr>
+          <p:cNvPr id="56" name="Connecteur droit avec flèche 55"/>
+          <p:cNvCxnSpPr/>
+          <p:nvPr/>
+        </p:nvCxnSpPr>
+        <p:spPr bwMode="auto">
+          <a:xfrm flipV="1">
+            <a:off x="2225284" y="2185954"/>
+            <a:ext cx="0" cy="540000"/>
+          </a:xfrm>
+          <a:prstGeom prst="straightConnector1">
+            <a:avLst/>
+          </a:prstGeom>
+          <a:ln w="9525" cmpd="sng">
+            <a:headEnd type="none" w="med" len="med"/>
+            <a:tailEnd type="arrow"/>
+          </a:ln>
+          <a:effectLst/>
+        </p:spPr>
+        <p:style>
+          <a:lnRef idx="3">
+            <a:schemeClr val="accent6"/>
+          </a:lnRef>
+          <a:fillRef idx="0">
+            <a:schemeClr val="accent6"/>
+          </a:fillRef>
+          <a:effectRef idx="2">
+            <a:schemeClr val="accent6"/>
+          </a:effectRef>
+          <a:fontRef idx="minor">
+            <a:schemeClr val="tx1"/>
+          </a:fontRef>
+        </p:style>
+      </p:cxnSp>
+      <p:cxnSp>
+        <p:nvCxnSpPr>
+          <p:cNvPr id="60" name="Connecteur droit avec flèche 59"/>
+          <p:cNvCxnSpPr/>
+          <p:nvPr/>
+        </p:nvCxnSpPr>
+        <p:spPr bwMode="auto">
+          <a:xfrm flipH="1">
+            <a:off x="2059176" y="3409864"/>
+            <a:ext cx="6854" cy="540000"/>
+          </a:xfrm>
+          <a:prstGeom prst="straightConnector1">
+            <a:avLst/>
+          </a:prstGeom>
+          <a:ln w="9525" cmpd="sng">
+            <a:headEnd type="none" w="med" len="med"/>
+            <a:tailEnd type="arrow"/>
+          </a:ln>
+          <a:effectLst/>
+        </p:spPr>
+        <p:style>
+          <a:lnRef idx="3">
+            <a:schemeClr val="accent6"/>
+          </a:lnRef>
+          <a:fillRef idx="0">
+            <a:schemeClr val="accent6"/>
+          </a:fillRef>
+          <a:effectRef idx="2">
+            <a:schemeClr val="accent6"/>
+          </a:effectRef>
+          <a:fontRef idx="minor">
+            <a:schemeClr val="tx1"/>
+          </a:fontRef>
+        </p:style>
+      </p:cxnSp>
+      <p:cxnSp>
+        <p:nvCxnSpPr>
+          <p:cNvPr id="64" name="Connecteur droit avec flèche 63"/>
+          <p:cNvCxnSpPr/>
+          <p:nvPr/>
+        </p:nvCxnSpPr>
+        <p:spPr bwMode="auto">
+          <a:xfrm flipV="1">
+            <a:off x="2218430" y="3424388"/>
+            <a:ext cx="0" cy="540000"/>
+          </a:xfrm>
+          <a:prstGeom prst="straightConnector1">
+            <a:avLst/>
+          </a:prstGeom>
+          <a:ln w="9525" cmpd="sng">
+            <a:headEnd type="none" w="med" len="med"/>
+            <a:tailEnd type="arrow"/>
+          </a:ln>
+          <a:effectLst/>
+        </p:spPr>
+        <p:style>
+          <a:lnRef idx="3">
+            <a:schemeClr val="accent6"/>
+          </a:lnRef>
+          <a:fillRef idx="0">
+            <a:schemeClr val="accent6"/>
+          </a:fillRef>
+          <a:effectRef idx="2">
+            <a:schemeClr val="accent6"/>
+          </a:effectRef>
+          <a:fontRef idx="minor">
+            <a:schemeClr val="tx1"/>
+          </a:fontRef>
+        </p:style>
+      </p:cxnSp>
+      <p:pic>
+        <p:nvPicPr>
+          <p:cNvPr id="70" name="Image 69" descr="UC-S2_Pos.png"/>
+          <p:cNvPicPr>
+            <a:picLocks noChangeAspect="1"/>
+          </p:cNvPicPr>
+          <p:nvPr/>
+        </p:nvPicPr>
+        <p:blipFill>
+          <a:blip r:embed="rId6">
+            <a:grayscl/>
+            <a:extLst>
+              <a:ext uri="{28A0092B-C50C-407E-A947-70E740481C1C}">
+                <a14:useLocalDpi xmlns:a14="http://schemas.microsoft.com/office/drawing/2010/main" val="0"/>
+              </a:ext>
+            </a:extLst>
+          </a:blip>
+          <a:stretch>
+            <a:fillRect/>
+          </a:stretch>
+        </p:blipFill>
+        <p:spPr>
+          <a:xfrm>
+            <a:off x="1952547" y="5254732"/>
+            <a:ext cx="360000" cy="615623"/>
+          </a:xfrm>
+          <a:prstGeom prst="rect">
+            <a:avLst/>
+          </a:prstGeom>
+        </p:spPr>
+      </p:pic>
+      <p:sp>
+        <p:nvSpPr>
+          <p:cNvPr id="78" name="ZoneTexte 77"/>
+          <p:cNvSpPr txBox="1"/>
+          <p:nvPr/>
+        </p:nvSpPr>
+        <p:spPr>
+          <a:xfrm>
+            <a:off x="26451" y="5331711"/>
+            <a:ext cx="1904850" cy="461665"/>
+          </a:xfrm>
+          <a:prstGeom prst="rect">
+            <a:avLst/>
+          </a:prstGeom>
+          <a:noFill/>
+        </p:spPr>
+        <p:txBody>
+          <a:bodyPr wrap="none" rtlCol="0">
+            <a:spAutoFit/>
+          </a:bodyPr>
+          <a:lstStyle/>
+          <a:p>
+            <a:pPr algn="r" defTabSz="914400" eaLnBrk="0" fontAlgn="base" hangingPunct="0">
+              <a:spcBef>
+                <a:spcPct val="0"/>
+              </a:spcBef>
+              <a:spcAft>
+                <a:spcPct val="0"/>
+              </a:spcAft>
+            </a:pPr>
+            <a:r>
+              <a:rPr lang="fr-FR" sz="1200" dirty="0" err="1" smtClean="0">
+                <a:solidFill>
+                  <a:srgbClr val="15AABE"/>
+                </a:solidFill>
+                <a:latin typeface="Arial"/>
+                <a:ea typeface="ＭＳ Ｐゴシック" pitchFamily="-104" charset="-128"/>
+              </a:rPr>
+              <a:t>Backend</a:t>
+            </a:r>
+            <a:endParaRPr lang="fr-FR" sz="1200" dirty="0" smtClean="0">
+              <a:solidFill>
+                <a:srgbClr val="15AABE"/>
+              </a:solidFill>
+              <a:latin typeface="Arial"/>
+              <a:ea typeface="ＭＳ Ｐゴシック" pitchFamily="-104" charset="-128"/>
+            </a:endParaRPr>
+          </a:p>
+          <a:p>
+            <a:pPr algn="r" defTabSz="914400" eaLnBrk="0" fontAlgn="base" hangingPunct="0">
+              <a:spcBef>
+                <a:spcPct val="0"/>
+              </a:spcBef>
+              <a:spcAft>
+                <a:spcPct val="0"/>
+              </a:spcAft>
+            </a:pPr>
+            <a:r>
+              <a:rPr lang="fr-FR" sz="1200" dirty="0" smtClean="0">
+                <a:solidFill>
+                  <a:srgbClr val="15AABE"/>
+                </a:solidFill>
+                <a:latin typeface="Arial"/>
+                <a:ea typeface="ＭＳ Ｐゴシック" pitchFamily="-104" charset="-128"/>
+              </a:rPr>
+              <a:t>Traitement de messages</a:t>
+            </a:r>
+          </a:p>
+        </p:txBody>
+      </p:sp>
+      <p:cxnSp>
+        <p:nvCxnSpPr>
+          <p:cNvPr id="79" name="Connecteur droit avec flèche 78"/>
+          <p:cNvCxnSpPr/>
+          <p:nvPr/>
+        </p:nvCxnSpPr>
+        <p:spPr bwMode="auto">
+          <a:xfrm>
+            <a:off x="2425248" y="3358648"/>
+            <a:ext cx="2034963" cy="0"/>
+          </a:xfrm>
+          <a:prstGeom prst="straightConnector1">
+            <a:avLst/>
+          </a:prstGeom>
+          <a:ln w="9525" cmpd="sng">
+            <a:solidFill>
+              <a:schemeClr val="accent4"/>
+            </a:solidFill>
+            <a:headEnd type="none" w="med" len="med"/>
+            <a:tailEnd type="arrow"/>
+          </a:ln>
+          <a:effectLst/>
+        </p:spPr>
+        <p:style>
+          <a:lnRef idx="3">
+            <a:schemeClr val="accent6"/>
+          </a:lnRef>
+          <a:fillRef idx="0">
+            <a:schemeClr val="accent6"/>
+          </a:fillRef>
+          <a:effectRef idx="2">
+            <a:schemeClr val="accent6"/>
+          </a:effectRef>
+          <a:fontRef idx="minor">
+            <a:schemeClr val="tx1"/>
+          </a:fontRef>
+        </p:style>
+      </p:cxnSp>
+      <p:cxnSp>
+        <p:nvCxnSpPr>
+          <p:cNvPr id="80" name="Connecteur droit avec flèche 79"/>
+          <p:cNvCxnSpPr/>
+          <p:nvPr/>
+        </p:nvCxnSpPr>
+        <p:spPr bwMode="auto">
+          <a:xfrm>
+            <a:off x="2421723" y="4577427"/>
+            <a:ext cx="2038488" cy="0"/>
+          </a:xfrm>
+          <a:prstGeom prst="straightConnector1">
+            <a:avLst/>
+          </a:prstGeom>
+          <a:ln w="9525" cmpd="sng">
+            <a:solidFill>
+              <a:schemeClr val="accent4"/>
+            </a:solidFill>
+            <a:headEnd type="none" w="med" len="med"/>
+            <a:tailEnd type="arrow"/>
+          </a:ln>
+          <a:effectLst/>
+        </p:spPr>
+        <p:style>
+          <a:lnRef idx="3">
+            <a:schemeClr val="accent6"/>
+          </a:lnRef>
+          <a:fillRef idx="0">
+            <a:schemeClr val="accent6"/>
+          </a:fillRef>
+          <a:effectRef idx="2">
+            <a:schemeClr val="accent6"/>
+          </a:effectRef>
+          <a:fontRef idx="minor">
+            <a:schemeClr val="tx1"/>
+          </a:fontRef>
+        </p:style>
+      </p:cxnSp>
+      <p:cxnSp>
+        <p:nvCxnSpPr>
+          <p:cNvPr id="83" name="Connecteur droit avec flèche 82"/>
+          <p:cNvCxnSpPr/>
+          <p:nvPr/>
+        </p:nvCxnSpPr>
+        <p:spPr bwMode="auto">
+          <a:xfrm>
+            <a:off x="2403733" y="5856074"/>
+            <a:ext cx="2045763" cy="0"/>
+          </a:xfrm>
+          <a:prstGeom prst="straightConnector1">
+            <a:avLst/>
+          </a:prstGeom>
+          <a:ln w="9525" cmpd="sng">
+            <a:solidFill>
+              <a:schemeClr val="accent4"/>
+            </a:solidFill>
+            <a:headEnd type="none" w="med" len="med"/>
+            <a:tailEnd type="arrow"/>
+          </a:ln>
+          <a:effectLst/>
+        </p:spPr>
+        <p:style>
+          <a:lnRef idx="3">
+            <a:schemeClr val="accent6"/>
+          </a:lnRef>
+          <a:fillRef idx="0">
+            <a:schemeClr val="accent6"/>
+          </a:fillRef>
+          <a:effectRef idx="2">
+            <a:schemeClr val="accent6"/>
+          </a:effectRef>
+          <a:fontRef idx="minor">
+            <a:schemeClr val="tx1"/>
+          </a:fontRef>
+        </p:style>
+      </p:cxnSp>
+      <p:sp>
+        <p:nvSpPr>
+          <p:cNvPr id="88" name="ZoneTexte 87"/>
+          <p:cNvSpPr txBox="1"/>
+          <p:nvPr/>
+        </p:nvSpPr>
+        <p:spPr>
+          <a:xfrm>
+            <a:off x="5159237" y="4496277"/>
+            <a:ext cx="498303" cy="276999"/>
+          </a:xfrm>
+          <a:prstGeom prst="rect">
+            <a:avLst/>
+          </a:prstGeom>
+          <a:noFill/>
+        </p:spPr>
+        <p:txBody>
+          <a:bodyPr wrap="none" rtlCol="0">
+            <a:spAutoFit/>
+          </a:bodyPr>
+          <a:lstStyle/>
+          <a:p>
+            <a:pPr defTabSz="914400" eaLnBrk="0" fontAlgn="base" hangingPunct="0">
+              <a:spcBef>
+                <a:spcPct val="0"/>
+              </a:spcBef>
+              <a:spcAft>
+                <a:spcPct val="0"/>
+              </a:spcAft>
+            </a:pPr>
+            <a:r>
+              <a:rPr lang="fr-FR" sz="1200" dirty="0" smtClean="0">
+                <a:solidFill>
+                  <a:srgbClr val="FF0000"/>
+                </a:solidFill>
+                <a:latin typeface="Arial"/>
+                <a:ea typeface="ＭＳ Ｐゴシック" pitchFamily="-104" charset="-128"/>
+              </a:rPr>
+              <a:t>CEP</a:t>
+            </a:r>
+            <a:endParaRPr lang="fr-FR" sz="1200" dirty="0">
+              <a:solidFill>
+                <a:srgbClr val="FF0000"/>
+              </a:solidFill>
+              <a:latin typeface="Arial"/>
+              <a:ea typeface="ＭＳ Ｐゴシック" pitchFamily="-104" charset="-128"/>
+            </a:endParaRPr>
+          </a:p>
+        </p:txBody>
+      </p:sp>
+      <p:sp>
+        <p:nvSpPr>
+          <p:cNvPr id="89" name="ZoneTexte 88"/>
+          <p:cNvSpPr txBox="1"/>
+          <p:nvPr/>
+        </p:nvSpPr>
+        <p:spPr>
+          <a:xfrm>
+            <a:off x="8044008" y="4581436"/>
+            <a:ext cx="937501" cy="276999"/>
+          </a:xfrm>
+          <a:prstGeom prst="rect">
+            <a:avLst/>
+          </a:prstGeom>
+          <a:noFill/>
+        </p:spPr>
+        <p:txBody>
+          <a:bodyPr wrap="none" rtlCol="0">
+            <a:spAutoFit/>
+          </a:bodyPr>
+          <a:lstStyle/>
+          <a:p>
+            <a:pPr defTabSz="914400" eaLnBrk="0" fontAlgn="base" hangingPunct="0">
+              <a:spcBef>
+                <a:spcPct val="0"/>
+              </a:spcBef>
+              <a:spcAft>
+                <a:spcPct val="0"/>
+              </a:spcAft>
+            </a:pPr>
+            <a:r>
+              <a:rPr lang="fr-FR" sz="1200" dirty="0" smtClean="0">
+                <a:solidFill>
+                  <a:srgbClr val="FF0000"/>
+                </a:solidFill>
+                <a:latin typeface="Arial"/>
+                <a:ea typeface="ＭＳ Ｐゴシック" pitchFamily="-104" charset="-128"/>
+              </a:rPr>
+              <a:t>Dashboard</a:t>
+            </a:r>
+            <a:endParaRPr lang="fr-FR" sz="1200" dirty="0">
+              <a:solidFill>
+                <a:srgbClr val="FF0000"/>
+              </a:solidFill>
+              <a:latin typeface="Arial"/>
+              <a:ea typeface="ＭＳ Ｐゴシック" pitchFamily="-104" charset="-128"/>
+            </a:endParaRPr>
+          </a:p>
+        </p:txBody>
+      </p:sp>
+      <p:sp>
+        <p:nvSpPr>
+          <p:cNvPr id="91" name="ZoneTexte 90"/>
+          <p:cNvSpPr txBox="1"/>
+          <p:nvPr/>
+        </p:nvSpPr>
+        <p:spPr>
+          <a:xfrm>
+            <a:off x="1588110" y="532527"/>
+            <a:ext cx="1091164" cy="461665"/>
+          </a:xfrm>
+          <a:prstGeom prst="rect">
+            <a:avLst/>
+          </a:prstGeom>
+          <a:noFill/>
+        </p:spPr>
+        <p:txBody>
+          <a:bodyPr wrap="none" rtlCol="0">
+            <a:spAutoFit/>
+          </a:bodyPr>
+          <a:lstStyle/>
+          <a:p>
+            <a:pPr algn="ctr" defTabSz="914400" eaLnBrk="0" fontAlgn="base" hangingPunct="0">
+              <a:spcBef>
+                <a:spcPct val="0"/>
+              </a:spcBef>
+              <a:spcAft>
+                <a:spcPct val="0"/>
+              </a:spcAft>
+            </a:pPr>
+            <a:r>
+              <a:rPr lang="fr-FR" sz="2400" b="1" dirty="0" smtClean="0">
+                <a:solidFill>
+                  <a:srgbClr val="15AABE"/>
+                </a:solidFill>
+                <a:latin typeface="Arial"/>
+                <a:ea typeface="ＭＳ Ｐゴシック" pitchFamily="-104" charset="-128"/>
+              </a:rPr>
+              <a:t>Métier</a:t>
+            </a:r>
+            <a:endParaRPr lang="fr-FR" sz="2400" b="1" dirty="0">
+              <a:solidFill>
+                <a:srgbClr val="15AABE"/>
+              </a:solidFill>
+              <a:latin typeface="Arial"/>
+              <a:ea typeface="ＭＳ Ｐゴシック" pitchFamily="-104" charset="-128"/>
+            </a:endParaRPr>
+          </a:p>
+        </p:txBody>
+      </p:sp>
+      <p:sp>
+        <p:nvSpPr>
+          <p:cNvPr id="92" name="ZoneTexte 91"/>
+          <p:cNvSpPr txBox="1"/>
+          <p:nvPr/>
+        </p:nvSpPr>
+        <p:spPr>
+          <a:xfrm>
+            <a:off x="5690941" y="538477"/>
+            <a:ext cx="1774344" cy="461665"/>
+          </a:xfrm>
+          <a:prstGeom prst="rect">
+            <a:avLst/>
+          </a:prstGeom>
+          <a:noFill/>
+        </p:spPr>
+        <p:txBody>
+          <a:bodyPr wrap="none" rtlCol="0">
+            <a:spAutoFit/>
+          </a:bodyPr>
+          <a:lstStyle/>
+          <a:p>
+            <a:pPr algn="ctr" defTabSz="914400" eaLnBrk="0" fontAlgn="base" hangingPunct="0">
+              <a:spcBef>
+                <a:spcPct val="0"/>
+              </a:spcBef>
+              <a:spcAft>
+                <a:spcPct val="0"/>
+              </a:spcAft>
+            </a:pPr>
+            <a:r>
+              <a:rPr lang="fr-FR" sz="2400" b="1" dirty="0" smtClean="0">
+                <a:solidFill>
+                  <a:srgbClr val="FF0000"/>
+                </a:solidFill>
+                <a:latin typeface="Arial"/>
+                <a:ea typeface="ＭＳ Ｐゴシック" pitchFamily="-104" charset="-128"/>
+              </a:rPr>
+              <a:t>Monitoring</a:t>
+            </a:r>
+            <a:endParaRPr lang="fr-FR" sz="2400" b="1" dirty="0">
+              <a:solidFill>
+                <a:srgbClr val="FF0000"/>
+              </a:solidFill>
+              <a:latin typeface="Arial"/>
+              <a:ea typeface="ＭＳ Ｐゴシック" pitchFamily="-104" charset="-128"/>
+            </a:endParaRPr>
+          </a:p>
+        </p:txBody>
+      </p:sp>
+      <p:sp>
+        <p:nvSpPr>
+          <p:cNvPr id="43" name="ZoneTexte 42"/>
+          <p:cNvSpPr txBox="1"/>
+          <p:nvPr/>
+        </p:nvSpPr>
+        <p:spPr>
+          <a:xfrm>
+            <a:off x="2311679" y="2963148"/>
+            <a:ext cx="1159768" cy="276999"/>
+          </a:xfrm>
+          <a:prstGeom prst="rect">
+            <a:avLst/>
+          </a:prstGeom>
+          <a:noFill/>
+        </p:spPr>
+        <p:txBody>
+          <a:bodyPr wrap="none" rtlCol="0">
+            <a:spAutoFit/>
+          </a:bodyPr>
+          <a:lstStyle/>
+          <a:p>
+            <a:pPr defTabSz="914400" eaLnBrk="0" fontAlgn="base" hangingPunct="0">
+              <a:spcBef>
+                <a:spcPct val="0"/>
+              </a:spcBef>
+              <a:spcAft>
+                <a:spcPct val="0"/>
+              </a:spcAft>
+            </a:pPr>
+            <a:r>
+              <a:rPr lang="fr-FR" sz="1200" dirty="0" smtClean="0">
+                <a:solidFill>
+                  <a:schemeClr val="tx2"/>
+                </a:solidFill>
+                <a:latin typeface="Arial"/>
+                <a:ea typeface="ＭＳ Ｐゴシック" pitchFamily="-104" charset="-128"/>
+              </a:rPr>
+              <a:t>Ruby / Sinatra</a:t>
+            </a:r>
+            <a:endParaRPr lang="fr-FR" sz="1200" dirty="0">
+              <a:solidFill>
+                <a:schemeClr val="tx2"/>
+              </a:solidFill>
+              <a:latin typeface="Arial"/>
+              <a:ea typeface="ＭＳ Ｐゴシック" pitchFamily="-104" charset="-128"/>
+            </a:endParaRPr>
+          </a:p>
+        </p:txBody>
+      </p:sp>
+      <p:pic>
+        <p:nvPicPr>
+          <p:cNvPr id="5" name="Image 4"/>
+          <p:cNvPicPr>
+            <a:picLocks noChangeAspect="1"/>
+          </p:cNvPicPr>
+          <p:nvPr/>
+        </p:nvPicPr>
+        <p:blipFill>
+          <a:blip r:embed="rId7"/>
+          <a:stretch>
+            <a:fillRect/>
+          </a:stretch>
+        </p:blipFill>
+        <p:spPr>
+          <a:xfrm>
+            <a:off x="3389135" y="2996847"/>
+            <a:ext cx="251998" cy="251998"/>
+          </a:xfrm>
+          <a:prstGeom prst="rect">
+            <a:avLst/>
+          </a:prstGeom>
+        </p:spPr>
+      </p:pic>
+      <p:pic>
+        <p:nvPicPr>
+          <p:cNvPr id="8" name="Image 7"/>
+          <p:cNvPicPr>
+            <a:picLocks noChangeAspect="1"/>
+          </p:cNvPicPr>
+          <p:nvPr/>
+        </p:nvPicPr>
+        <p:blipFill>
+          <a:blip r:embed="rId8"/>
+          <a:stretch>
+            <a:fillRect/>
+          </a:stretch>
+        </p:blipFill>
+        <p:spPr>
+          <a:xfrm>
+            <a:off x="3656831" y="3023124"/>
+            <a:ext cx="311996" cy="215997"/>
+          </a:xfrm>
+          <a:prstGeom prst="rect">
+            <a:avLst/>
+          </a:prstGeom>
+        </p:spPr>
+      </p:pic>
+      <p:sp>
+        <p:nvSpPr>
+          <p:cNvPr id="47" name="ZoneTexte 46"/>
+          <p:cNvSpPr txBox="1"/>
+          <p:nvPr/>
+        </p:nvSpPr>
+        <p:spPr>
+          <a:xfrm>
+            <a:off x="2362751" y="4166153"/>
+            <a:ext cx="988822" cy="276999"/>
+          </a:xfrm>
+          <a:prstGeom prst="rect">
+            <a:avLst/>
+          </a:prstGeom>
+          <a:noFill/>
+        </p:spPr>
+        <p:txBody>
+          <a:bodyPr wrap="none" rtlCol="0">
+            <a:spAutoFit/>
+          </a:bodyPr>
+          <a:lstStyle/>
+          <a:p>
+            <a:pPr defTabSz="914400" eaLnBrk="0" fontAlgn="base" hangingPunct="0">
+              <a:spcBef>
+                <a:spcPct val="0"/>
+              </a:spcBef>
+              <a:spcAft>
+                <a:spcPct val="0"/>
+              </a:spcAft>
+            </a:pPr>
+            <a:r>
+              <a:rPr lang="fr-FR" sz="1200" dirty="0" err="1" smtClean="0">
+                <a:solidFill>
+                  <a:schemeClr val="tx2"/>
+                </a:solidFill>
+                <a:latin typeface="Arial"/>
+                <a:ea typeface="ＭＳ Ｐゴシック" pitchFamily="-104" charset="-128"/>
+              </a:rPr>
+              <a:t>Spring</a:t>
+            </a:r>
+            <a:r>
+              <a:rPr lang="fr-FR" sz="1200" dirty="0" smtClean="0">
+                <a:solidFill>
+                  <a:schemeClr val="tx2"/>
+                </a:solidFill>
+                <a:latin typeface="Arial"/>
+                <a:ea typeface="ＭＳ Ｐゴシック" pitchFamily="-104" charset="-128"/>
+              </a:rPr>
+              <a:t> Boot</a:t>
+            </a:r>
+            <a:endParaRPr lang="fr-FR" sz="1200" dirty="0">
+              <a:solidFill>
+                <a:schemeClr val="tx2"/>
+              </a:solidFill>
+              <a:latin typeface="Arial"/>
+              <a:ea typeface="ＭＳ Ｐゴシック" pitchFamily="-104" charset="-128"/>
+            </a:endParaRPr>
+          </a:p>
+        </p:txBody>
+      </p:sp>
+      <p:pic>
+        <p:nvPicPr>
+          <p:cNvPr id="12" name="Image 11"/>
+          <p:cNvPicPr>
+            <a:picLocks noChangeAspect="1"/>
+          </p:cNvPicPr>
+          <p:nvPr/>
+        </p:nvPicPr>
+        <p:blipFill>
+          <a:blip r:embed="rId9"/>
+          <a:stretch>
+            <a:fillRect/>
+          </a:stretch>
+        </p:blipFill>
+        <p:spPr>
+          <a:xfrm>
+            <a:off x="2779748" y="5423350"/>
+            <a:ext cx="223623" cy="287999"/>
+          </a:xfrm>
+          <a:prstGeom prst="rect">
+            <a:avLst/>
+          </a:prstGeom>
+        </p:spPr>
+      </p:pic>
+      <p:sp>
+        <p:nvSpPr>
+          <p:cNvPr id="53" name="ZoneTexte 52"/>
+          <p:cNvSpPr txBox="1"/>
+          <p:nvPr/>
+        </p:nvSpPr>
+        <p:spPr>
+          <a:xfrm>
+            <a:off x="2362751" y="5424044"/>
+            <a:ext cx="509725" cy="276999"/>
+          </a:xfrm>
+          <a:prstGeom prst="rect">
+            <a:avLst/>
+          </a:prstGeom>
+          <a:noFill/>
+        </p:spPr>
+        <p:txBody>
+          <a:bodyPr wrap="none" rtlCol="0">
+            <a:spAutoFit/>
+          </a:bodyPr>
+          <a:lstStyle/>
+          <a:p>
+            <a:pPr defTabSz="914400" eaLnBrk="0" fontAlgn="base" hangingPunct="0">
+              <a:spcBef>
+                <a:spcPct val="0"/>
+              </a:spcBef>
+              <a:spcAft>
+                <a:spcPct val="0"/>
+              </a:spcAft>
+            </a:pPr>
+            <a:r>
+              <a:rPr lang="fr-FR" sz="1200" dirty="0" smtClean="0">
+                <a:solidFill>
+                  <a:schemeClr val="tx2"/>
+                </a:solidFill>
+                <a:latin typeface="Arial"/>
+                <a:ea typeface="ＭＳ Ｐゴシック" pitchFamily="-104" charset="-128"/>
+              </a:rPr>
+              <a:t>Java</a:t>
+            </a:r>
+            <a:endParaRPr lang="fr-FR" sz="1200" dirty="0">
+              <a:solidFill>
+                <a:schemeClr val="tx2"/>
+              </a:solidFill>
+              <a:latin typeface="Arial"/>
+              <a:ea typeface="ＭＳ Ｐゴシック" pitchFamily="-104" charset="-128"/>
+            </a:endParaRPr>
+          </a:p>
+        </p:txBody>
+      </p:sp>
+      <p:pic>
+        <p:nvPicPr>
+          <p:cNvPr id="17" name="Image 16"/>
+          <p:cNvPicPr>
+            <a:picLocks noChangeAspect="1"/>
+          </p:cNvPicPr>
+          <p:nvPr/>
+        </p:nvPicPr>
+        <p:blipFill>
+          <a:blip r:embed="rId10"/>
+          <a:stretch>
+            <a:fillRect/>
+          </a:stretch>
+        </p:blipFill>
+        <p:spPr>
+          <a:xfrm>
+            <a:off x="2797092" y="4807568"/>
+            <a:ext cx="279168" cy="248670"/>
+          </a:xfrm>
+          <a:prstGeom prst="rect">
+            <a:avLst/>
+          </a:prstGeom>
+        </p:spPr>
+      </p:pic>
+      <p:sp>
+        <p:nvSpPr>
+          <p:cNvPr id="58" name="ZoneTexte 57"/>
+          <p:cNvSpPr txBox="1"/>
+          <p:nvPr/>
+        </p:nvSpPr>
+        <p:spPr>
+          <a:xfrm>
+            <a:off x="2282611" y="4779239"/>
+            <a:ext cx="582211" cy="276999"/>
+          </a:xfrm>
+          <a:prstGeom prst="rect">
+            <a:avLst/>
+          </a:prstGeom>
+          <a:noFill/>
+        </p:spPr>
+        <p:txBody>
+          <a:bodyPr wrap="none" rtlCol="0">
+            <a:spAutoFit/>
+          </a:bodyPr>
+          <a:lstStyle/>
+          <a:p>
+            <a:pPr defTabSz="914400" eaLnBrk="0" fontAlgn="base" hangingPunct="0">
+              <a:spcBef>
+                <a:spcPct val="0"/>
+              </a:spcBef>
+              <a:spcAft>
+                <a:spcPct val="0"/>
+              </a:spcAft>
+            </a:pPr>
+            <a:r>
+              <a:rPr lang="fr-FR" sz="1200" dirty="0" smtClean="0">
+                <a:solidFill>
+                  <a:schemeClr val="tx2"/>
+                </a:solidFill>
+                <a:latin typeface="Arial"/>
+                <a:ea typeface="ＭＳ Ｐゴシック" pitchFamily="-104" charset="-128"/>
+              </a:rPr>
+              <a:t>Redis</a:t>
+            </a:r>
+            <a:endParaRPr lang="fr-FR" sz="1200" dirty="0">
+              <a:solidFill>
+                <a:schemeClr val="tx2"/>
+              </a:solidFill>
+              <a:latin typeface="Arial"/>
+              <a:ea typeface="ＭＳ Ｐゴシック" pitchFamily="-104" charset="-128"/>
+            </a:endParaRPr>
+          </a:p>
+        </p:txBody>
+      </p:sp>
+      <p:sp>
+        <p:nvSpPr>
+          <p:cNvPr id="59" name="ZoneTexte 58"/>
+          <p:cNvSpPr txBox="1"/>
+          <p:nvPr/>
+        </p:nvSpPr>
+        <p:spPr>
+          <a:xfrm>
+            <a:off x="4672309" y="3656676"/>
+            <a:ext cx="748973" cy="276999"/>
+          </a:xfrm>
+          <a:prstGeom prst="rect">
+            <a:avLst/>
+          </a:prstGeom>
+          <a:noFill/>
+        </p:spPr>
+        <p:txBody>
+          <a:bodyPr wrap="none" rtlCol="0">
+            <a:spAutoFit/>
+          </a:bodyPr>
+          <a:lstStyle/>
+          <a:p>
+            <a:pPr defTabSz="914400" eaLnBrk="0" fontAlgn="base" hangingPunct="0">
+              <a:spcBef>
+                <a:spcPct val="0"/>
+              </a:spcBef>
+              <a:spcAft>
+                <a:spcPct val="0"/>
+              </a:spcAft>
+            </a:pPr>
+            <a:r>
+              <a:rPr lang="fr-FR" sz="1200" dirty="0" err="1" smtClean="0">
+                <a:solidFill>
+                  <a:schemeClr val="tx2"/>
+                </a:solidFill>
+                <a:latin typeface="Arial"/>
+                <a:ea typeface="ＭＳ Ｐゴシック" pitchFamily="-104" charset="-128"/>
+              </a:rPr>
+              <a:t>ZeroMQ</a:t>
+            </a:r>
+            <a:endParaRPr lang="fr-FR" sz="1200" dirty="0">
+              <a:solidFill>
+                <a:schemeClr val="tx2"/>
+              </a:solidFill>
+              <a:latin typeface="Arial"/>
+              <a:ea typeface="ＭＳ Ｐゴシック" pitchFamily="-104" charset="-128"/>
+            </a:endParaRPr>
+          </a:p>
+        </p:txBody>
+      </p:sp>
+      <p:pic>
+        <p:nvPicPr>
+          <p:cNvPr id="18" name="Image 17"/>
+          <p:cNvPicPr>
+            <a:picLocks noChangeAspect="1"/>
+          </p:cNvPicPr>
+          <p:nvPr/>
+        </p:nvPicPr>
+        <p:blipFill>
+          <a:blip r:embed="rId11"/>
+          <a:stretch>
+            <a:fillRect/>
+          </a:stretch>
+        </p:blipFill>
+        <p:spPr>
+          <a:xfrm>
+            <a:off x="5377600" y="3734043"/>
+            <a:ext cx="469562" cy="179999"/>
+          </a:xfrm>
+          <a:prstGeom prst="rect">
+            <a:avLst/>
+          </a:prstGeom>
+        </p:spPr>
+      </p:pic>
+      <p:grpSp>
+        <p:nvGrpSpPr>
+          <p:cNvPr id="24" name="Grouper 23"/>
+          <p:cNvGrpSpPr/>
+          <p:nvPr/>
+        </p:nvGrpSpPr>
+        <p:grpSpPr>
+          <a:xfrm>
+            <a:off x="8044008" y="5385650"/>
+            <a:ext cx="965044" cy="292307"/>
+            <a:chOff x="7174215" y="4861140"/>
+            <a:chExt cx="965044" cy="292307"/>
+          </a:xfrm>
+        </p:grpSpPr>
+        <p:pic>
+          <p:nvPicPr>
+            <p:cNvPr id="19" name="Image 18"/>
+            <p:cNvPicPr>
+              <a:picLocks noChangeAspect="1"/>
+            </p:cNvPicPr>
+            <p:nvPr/>
+          </p:nvPicPr>
+          <p:blipFill>
+            <a:blip r:embed="rId12"/>
+            <a:stretch>
+              <a:fillRect/>
+            </a:stretch>
+          </p:blipFill>
+          <p:spPr>
+            <a:xfrm>
+              <a:off x="7779259" y="4889583"/>
+              <a:ext cx="360000" cy="263864"/>
+            </a:xfrm>
+            <a:prstGeom prst="rect">
+              <a:avLst/>
+            </a:prstGeom>
+          </p:spPr>
+        </p:pic>
+        <p:sp>
+          <p:nvSpPr>
+            <p:cNvPr id="63" name="ZoneTexte 62"/>
+            <p:cNvSpPr txBox="1"/>
+            <p:nvPr/>
+          </p:nvSpPr>
+          <p:spPr>
+            <a:xfrm>
+              <a:off x="7174215" y="4861140"/>
+              <a:ext cx="663839" cy="276999"/>
+            </a:xfrm>
+            <a:prstGeom prst="rect">
+              <a:avLst/>
+            </a:prstGeom>
+            <a:noFill/>
+          </p:spPr>
+          <p:txBody>
+            <a:bodyPr wrap="none" rtlCol="0">
+              <a:spAutoFit/>
+            </a:bodyPr>
+            <a:lstStyle/>
+            <a:p>
+              <a:pPr defTabSz="914400" eaLnBrk="0" fontAlgn="base" hangingPunct="0">
+                <a:spcBef>
+                  <a:spcPct val="0"/>
+                </a:spcBef>
+                <a:spcAft>
+                  <a:spcPct val="0"/>
+                </a:spcAft>
+              </a:pPr>
+              <a:r>
+                <a:rPr lang="fr-FR" sz="1200" dirty="0" err="1" smtClean="0">
+                  <a:solidFill>
+                    <a:schemeClr val="tx2"/>
+                  </a:solidFill>
+                  <a:latin typeface="Arial"/>
+                  <a:ea typeface="ＭＳ Ｐゴシック" pitchFamily="-104" charset="-128"/>
+                </a:rPr>
+                <a:t>Kibana</a:t>
+              </a:r>
+              <a:endParaRPr lang="fr-FR" sz="1200" dirty="0">
+                <a:solidFill>
+                  <a:schemeClr val="tx2"/>
+                </a:solidFill>
+                <a:latin typeface="Arial"/>
+                <a:ea typeface="ＭＳ Ｐゴシック" pitchFamily="-104" charset="-128"/>
+              </a:endParaRPr>
+            </a:p>
+          </p:txBody>
+        </p:sp>
+      </p:grpSp>
+      <p:pic>
+        <p:nvPicPr>
+          <p:cNvPr id="66" name="Image 65" descr="UC-S2_Pos.png"/>
+          <p:cNvPicPr>
+            <a:picLocks noChangeAspect="1"/>
+          </p:cNvPicPr>
+          <p:nvPr/>
+        </p:nvPicPr>
+        <p:blipFill>
+          <a:blip r:embed="rId6">
+            <a:extLst>
+              <a:ext uri="{28A0092B-C50C-407E-A947-70E740481C1C}">
+                <a14:useLocalDpi xmlns:a14="http://schemas.microsoft.com/office/drawing/2010/main" val="0"/>
+              </a:ext>
+            </a:extLst>
+          </a:blip>
+          <a:stretch>
+            <a:fillRect/>
+          </a:stretch>
+        </p:blipFill>
+        <p:spPr>
+          <a:xfrm>
+            <a:off x="5228388" y="4765146"/>
+            <a:ext cx="360000" cy="615622"/>
+          </a:xfrm>
+          <a:prstGeom prst="rect">
+            <a:avLst/>
+          </a:prstGeom>
+        </p:spPr>
+      </p:pic>
+      <p:pic>
+        <p:nvPicPr>
+          <p:cNvPr id="67" name="Image 66"/>
+          <p:cNvPicPr>
+            <a:picLocks noChangeAspect="1"/>
+          </p:cNvPicPr>
+          <p:nvPr/>
+        </p:nvPicPr>
+        <p:blipFill>
+          <a:blip r:embed="rId13"/>
+          <a:stretch>
+            <a:fillRect/>
+          </a:stretch>
+        </p:blipFill>
+        <p:spPr>
+          <a:xfrm>
+            <a:off x="6873298" y="4787887"/>
+            <a:ext cx="540000" cy="570140"/>
+          </a:xfrm>
+          <a:prstGeom prst="rect">
+            <a:avLst/>
+          </a:prstGeom>
+        </p:spPr>
+      </p:pic>
+      <p:cxnSp>
+        <p:nvCxnSpPr>
+          <p:cNvPr id="68" name="Connecteur droit avec flèche 67"/>
+          <p:cNvCxnSpPr>
+            <a:stCxn id="66" idx="3"/>
+            <a:endCxn id="67" idx="1"/>
+          </p:cNvCxnSpPr>
+          <p:nvPr/>
+        </p:nvCxnSpPr>
+        <p:spPr bwMode="auto">
+          <a:xfrm>
+            <a:off x="5588388" y="5072957"/>
+            <a:ext cx="1284910" cy="0"/>
+          </a:xfrm>
+          <a:prstGeom prst="straightConnector1">
+            <a:avLst/>
+          </a:prstGeom>
+          <a:solidFill>
+            <a:schemeClr val="accent1"/>
+          </a:solidFill>
+          <a:ln w="9525" cap="flat" cmpd="sng" algn="ctr">
+            <a:solidFill>
+              <a:srgbClr val="E63527"/>
+            </a:solidFill>
+            <a:prstDash val="solid"/>
+            <a:round/>
+            <a:headEnd type="none"/>
+            <a:tailEnd type="arrow"/>
+          </a:ln>
+          <a:effectLst/>
+        </p:spPr>
+      </p:cxnSp>
+      <p:grpSp>
+        <p:nvGrpSpPr>
+          <p:cNvPr id="27" name="Grouper 26"/>
+          <p:cNvGrpSpPr/>
+          <p:nvPr/>
+        </p:nvGrpSpPr>
+        <p:grpSpPr>
+          <a:xfrm>
+            <a:off x="6567564" y="5351434"/>
+            <a:ext cx="1340036" cy="360000"/>
+            <a:chOff x="5918287" y="5999717"/>
+            <a:chExt cx="1340036" cy="360000"/>
+          </a:xfrm>
+        </p:grpSpPr>
+        <p:sp>
+          <p:nvSpPr>
+            <p:cNvPr id="69" name="ZoneTexte 68"/>
+            <p:cNvSpPr txBox="1"/>
+            <p:nvPr/>
+          </p:nvSpPr>
+          <p:spPr>
+            <a:xfrm>
+              <a:off x="5918287" y="6049241"/>
+              <a:ext cx="1125503" cy="276999"/>
+            </a:xfrm>
+            <a:prstGeom prst="rect">
+              <a:avLst/>
+            </a:prstGeom>
+            <a:noFill/>
+          </p:spPr>
+          <p:txBody>
+            <a:bodyPr wrap="none" rtlCol="0">
+              <a:spAutoFit/>
+            </a:bodyPr>
+            <a:lstStyle/>
+            <a:p>
+              <a:pPr defTabSz="914400" eaLnBrk="0" fontAlgn="base" hangingPunct="0">
+                <a:spcBef>
+                  <a:spcPct val="0"/>
+                </a:spcBef>
+                <a:spcAft>
+                  <a:spcPct val="0"/>
+                </a:spcAft>
+              </a:pPr>
+              <a:r>
+                <a:rPr lang="fr-FR" sz="1200" dirty="0" err="1" smtClean="0">
+                  <a:solidFill>
+                    <a:schemeClr val="tx2"/>
+                  </a:solidFill>
+                  <a:latin typeface="Arial"/>
+                  <a:ea typeface="ＭＳ Ｐゴシック" pitchFamily="-104" charset="-128"/>
+                </a:rPr>
+                <a:t>ElasticSearch</a:t>
+              </a:r>
+              <a:endParaRPr lang="fr-FR" sz="1200" dirty="0">
+                <a:solidFill>
+                  <a:schemeClr val="tx2"/>
+                </a:solidFill>
+                <a:latin typeface="Arial"/>
+                <a:ea typeface="ＭＳ Ｐゴシック" pitchFamily="-104" charset="-128"/>
+              </a:endParaRPr>
+            </a:p>
+          </p:txBody>
+        </p:sp>
+        <p:pic>
+          <p:nvPicPr>
+            <p:cNvPr id="25" name="Image 24"/>
+            <p:cNvPicPr>
+              <a:picLocks noChangeAspect="1"/>
+            </p:cNvPicPr>
+            <p:nvPr/>
+          </p:nvPicPr>
+          <p:blipFill>
+            <a:blip r:embed="rId14"/>
+            <a:stretch>
+              <a:fillRect/>
+            </a:stretch>
+          </p:blipFill>
+          <p:spPr>
+            <a:xfrm>
+              <a:off x="6964177" y="5999717"/>
+              <a:ext cx="294146" cy="360000"/>
+            </a:xfrm>
+            <a:prstGeom prst="rect">
+              <a:avLst/>
+            </a:prstGeom>
+          </p:spPr>
+        </p:pic>
+      </p:grpSp>
+      <p:pic>
+        <p:nvPicPr>
+          <p:cNvPr id="2" name="Image 1"/>
+          <p:cNvPicPr>
+            <a:picLocks noChangeAspect="1"/>
+          </p:cNvPicPr>
+          <p:nvPr/>
+        </p:nvPicPr>
+        <p:blipFill>
+          <a:blip r:embed="rId15"/>
+          <a:stretch>
+            <a:fillRect/>
+          </a:stretch>
+        </p:blipFill>
+        <p:spPr>
+          <a:xfrm>
+            <a:off x="3309727" y="4131830"/>
+            <a:ext cx="345887" cy="345887"/>
+          </a:xfrm>
+          <a:prstGeom prst="rect">
+            <a:avLst/>
+          </a:prstGeom>
+        </p:spPr>
+      </p:pic>
+      <p:sp>
+        <p:nvSpPr>
+          <p:cNvPr id="52" name="ZoneTexte 51"/>
+          <p:cNvSpPr txBox="1"/>
+          <p:nvPr/>
+        </p:nvSpPr>
+        <p:spPr>
+          <a:xfrm>
+            <a:off x="4737617" y="5375532"/>
+            <a:ext cx="1206856" cy="461665"/>
+          </a:xfrm>
+          <a:prstGeom prst="rect">
+            <a:avLst/>
+          </a:prstGeom>
+          <a:noFill/>
+        </p:spPr>
+        <p:txBody>
+          <a:bodyPr wrap="none" rtlCol="0">
+            <a:spAutoFit/>
+          </a:bodyPr>
+          <a:lstStyle/>
+          <a:p>
+            <a:pPr defTabSz="914400" eaLnBrk="0" fontAlgn="base" hangingPunct="0">
+              <a:spcBef>
+                <a:spcPct val="0"/>
+              </a:spcBef>
+              <a:spcAft>
+                <a:spcPct val="0"/>
+              </a:spcAft>
+            </a:pPr>
+            <a:r>
+              <a:rPr lang="fr-FR" sz="1200" dirty="0" smtClean="0">
+                <a:solidFill>
+                  <a:schemeClr val="tx2"/>
+                </a:solidFill>
+                <a:latin typeface="Arial"/>
+                <a:ea typeface="ＭＳ Ｐゴシック" pitchFamily="-104" charset="-128"/>
+              </a:rPr>
+              <a:t>Apache Camel</a:t>
+            </a:r>
+          </a:p>
+          <a:p>
+            <a:pPr defTabSz="914400" eaLnBrk="0" fontAlgn="base" hangingPunct="0">
+              <a:spcBef>
+                <a:spcPct val="0"/>
+              </a:spcBef>
+              <a:spcAft>
+                <a:spcPct val="0"/>
+              </a:spcAft>
+            </a:pPr>
+            <a:r>
+              <a:rPr lang="fr-FR" sz="1200" dirty="0" err="1" smtClean="0">
+                <a:solidFill>
+                  <a:schemeClr val="tx2"/>
+                </a:solidFill>
+                <a:latin typeface="Arial"/>
+                <a:ea typeface="ＭＳ Ｐゴシック" pitchFamily="-104" charset="-128"/>
+              </a:rPr>
+              <a:t>Esper</a:t>
+            </a:r>
+            <a:endParaRPr lang="fr-FR" sz="1200" dirty="0">
+              <a:solidFill>
+                <a:schemeClr val="tx2"/>
+              </a:solidFill>
+              <a:latin typeface="Arial"/>
+              <a:ea typeface="ＭＳ Ｐゴシック" pitchFamily="-104" charset="-128"/>
+            </a:endParaRPr>
+          </a:p>
+        </p:txBody>
+      </p:sp>
+      <p:pic>
+        <p:nvPicPr>
+          <p:cNvPr id="3" name="Image 2"/>
+          <p:cNvPicPr>
+            <a:picLocks noChangeAspect="1"/>
+          </p:cNvPicPr>
+          <p:nvPr/>
+        </p:nvPicPr>
+        <p:blipFill>
+          <a:blip r:embed="rId16"/>
+          <a:stretch>
+            <a:fillRect/>
+          </a:stretch>
+        </p:blipFill>
+        <p:spPr>
+          <a:xfrm>
+            <a:off x="5829997" y="5357720"/>
+            <a:ext cx="631899" cy="309613"/>
+          </a:xfrm>
+          <a:prstGeom prst="rect">
+            <a:avLst/>
+          </a:prstGeom>
+        </p:spPr>
+      </p:pic>
+      <p:pic>
+        <p:nvPicPr>
+          <p:cNvPr id="9" name="Image 8"/>
+          <p:cNvPicPr>
+            <a:picLocks noChangeAspect="1"/>
+          </p:cNvPicPr>
+          <p:nvPr/>
+        </p:nvPicPr>
+        <p:blipFill>
+          <a:blip r:embed="rId17"/>
+          <a:stretch>
+            <a:fillRect/>
+          </a:stretch>
+        </p:blipFill>
+        <p:spPr>
+          <a:xfrm>
+            <a:off x="5255714" y="5590346"/>
+            <a:ext cx="849655" cy="297170"/>
+          </a:xfrm>
+          <a:prstGeom prst="rect">
+            <a:avLst/>
+          </a:prstGeom>
+        </p:spPr>
+      </p:pic>
+    </p:spTree>
+    <p:extLst>
+      <p:ext uri="{BB962C8B-B14F-4D97-AF65-F5344CB8AC3E}">
+        <p14:creationId xmlns:p14="http://schemas.microsoft.com/office/powerpoint/2010/main" val="2245963822"/>
       </p:ext>
     </p:extLst>
   </p:cSld>

--- a/monitoring_echanges_2/illus.pptx
+++ b/monitoring_echanges_2/illus.pptx
@@ -8,6 +8,7 @@
     <p:sldId id="261" r:id="rId2"/>
     <p:sldId id="263" r:id="rId3"/>
     <p:sldId id="264" r:id="rId4"/>
+    <p:sldId id="265" r:id="rId5"/>
   </p:sldIdLst>
   <p:sldSz cx="9144000" cy="6858000" type="screen4x3"/>
   <p:notesSz cx="6858000" cy="9144000"/>
@@ -17474,6 +17475,2230 @@
       </p:par>
     </p:tnLst>
   </p:timing>
+</p:sld>
+</file>
+
+<file path=ppt/slides/slide4.xml><?xml version="1.0" encoding="utf-8"?>
+<p:sld xmlns:a="http://schemas.openxmlformats.org/drawingml/2006/main" xmlns:r="http://schemas.openxmlformats.org/officeDocument/2006/relationships" xmlns:p="http://schemas.openxmlformats.org/presentationml/2006/main">
+  <p:cSld>
+    <p:spTree>
+      <p:nvGrpSpPr>
+        <p:cNvPr id="1" name=""/>
+        <p:cNvGrpSpPr/>
+        <p:nvPr/>
+      </p:nvGrpSpPr>
+      <p:grpSpPr>
+        <a:xfrm>
+          <a:off x="0" y="0"/>
+          <a:ext cx="0" cy="0"/>
+          <a:chOff x="0" y="0"/>
+          <a:chExt cx="0" cy="0"/>
+        </a:xfrm>
+      </p:grpSpPr>
+      <p:sp>
+        <p:nvSpPr>
+          <p:cNvPr id="4" name="Cylindre 3"/>
+          <p:cNvSpPr/>
+          <p:nvPr/>
+        </p:nvSpPr>
+        <p:spPr>
+          <a:xfrm rot="16200000">
+            <a:off x="2771967" y="3776867"/>
+            <a:ext cx="489858" cy="2957284"/>
+          </a:xfrm>
+          <a:prstGeom prst="can">
+            <a:avLst/>
+          </a:prstGeom>
+          <a:ln/>
+        </p:spPr>
+        <p:style>
+          <a:lnRef idx="2">
+            <a:schemeClr val="accent4">
+              <a:shade val="50000"/>
+            </a:schemeClr>
+          </a:lnRef>
+          <a:fillRef idx="1">
+            <a:schemeClr val="accent4"/>
+          </a:fillRef>
+          <a:effectRef idx="0">
+            <a:schemeClr val="accent4"/>
+          </a:effectRef>
+          <a:fontRef idx="minor">
+            <a:schemeClr val="lt1"/>
+          </a:fontRef>
+        </p:style>
+        <p:txBody>
+          <a:bodyPr vert="horz" wrap="square" lIns="91440" tIns="45720" rIns="91440" bIns="45720" numCol="1" rtlCol="0" anchor="ctr" anchorCtr="0" compatLnSpc="1">
+            <a:prstTxWarp prst="textNoShape">
+              <a:avLst/>
+            </a:prstTxWarp>
+          </a:bodyPr>
+          <a:lstStyle/>
+          <a:p>
+            <a:pPr algn="ctr" defTabSz="914400" eaLnBrk="0" fontAlgn="base" hangingPunct="0">
+              <a:spcBef>
+                <a:spcPct val="0"/>
+              </a:spcBef>
+              <a:spcAft>
+                <a:spcPct val="0"/>
+              </a:spcAft>
+            </a:pPr>
+            <a:endParaRPr lang="fr-FR" sz="1200" dirty="0">
+              <a:solidFill>
+                <a:srgbClr val="00A2D8"/>
+              </a:solidFill>
+              <a:latin typeface="Arial"/>
+            </a:endParaRPr>
+          </a:p>
+        </p:txBody>
+      </p:sp>
+      <p:pic>
+        <p:nvPicPr>
+          <p:cNvPr id="5" name="Image 4"/>
+          <p:cNvPicPr>
+            <a:picLocks noChangeAspect="1"/>
+          </p:cNvPicPr>
+          <p:nvPr/>
+        </p:nvPicPr>
+        <p:blipFill>
+          <a:blip r:embed="rId2"/>
+          <a:stretch>
+            <a:fillRect/>
+          </a:stretch>
+        </p:blipFill>
+        <p:spPr>
+          <a:xfrm>
+            <a:off x="4495538" y="5010580"/>
+            <a:ext cx="1277889" cy="489858"/>
+          </a:xfrm>
+          <a:prstGeom prst="rect">
+            <a:avLst/>
+          </a:prstGeom>
+        </p:spPr>
+      </p:pic>
+      <p:pic>
+        <p:nvPicPr>
+          <p:cNvPr id="6" name="Image 5"/>
+          <p:cNvPicPr>
+            <a:picLocks noChangeAspect="1"/>
+          </p:cNvPicPr>
+          <p:nvPr/>
+        </p:nvPicPr>
+        <p:blipFill>
+          <a:blip r:embed="rId3"/>
+          <a:stretch>
+            <a:fillRect/>
+          </a:stretch>
+        </p:blipFill>
+        <p:spPr>
+          <a:xfrm>
+            <a:off x="1754163" y="5164885"/>
+            <a:ext cx="360000" cy="250208"/>
+          </a:xfrm>
+          <a:prstGeom prst="rect">
+            <a:avLst/>
+          </a:prstGeom>
+        </p:spPr>
+      </p:pic>
+      <p:pic>
+        <p:nvPicPr>
+          <p:cNvPr id="7" name="Image 6"/>
+          <p:cNvPicPr>
+            <a:picLocks noChangeAspect="1"/>
+          </p:cNvPicPr>
+          <p:nvPr/>
+        </p:nvPicPr>
+        <p:blipFill>
+          <a:blip r:embed="rId3"/>
+          <a:stretch>
+            <a:fillRect/>
+          </a:stretch>
+        </p:blipFill>
+        <p:spPr>
+          <a:xfrm>
+            <a:off x="2266563" y="5164885"/>
+            <a:ext cx="360000" cy="250208"/>
+          </a:xfrm>
+          <a:prstGeom prst="rect">
+            <a:avLst/>
+          </a:prstGeom>
+        </p:spPr>
+      </p:pic>
+      <p:pic>
+        <p:nvPicPr>
+          <p:cNvPr id="8" name="Image 7"/>
+          <p:cNvPicPr>
+            <a:picLocks noChangeAspect="1"/>
+          </p:cNvPicPr>
+          <p:nvPr/>
+        </p:nvPicPr>
+        <p:blipFill>
+          <a:blip r:embed="rId3"/>
+          <a:stretch>
+            <a:fillRect/>
+          </a:stretch>
+        </p:blipFill>
+        <p:spPr>
+          <a:xfrm>
+            <a:off x="2795563" y="5174038"/>
+            <a:ext cx="360000" cy="250208"/>
+          </a:xfrm>
+          <a:prstGeom prst="rect">
+            <a:avLst/>
+          </a:prstGeom>
+        </p:spPr>
+      </p:pic>
+      <p:sp>
+        <p:nvSpPr>
+          <p:cNvPr id="10" name="Rectangle 9"/>
+          <p:cNvSpPr/>
+          <p:nvPr/>
+        </p:nvSpPr>
+        <p:spPr>
+          <a:xfrm>
+            <a:off x="1486403" y="1338146"/>
+            <a:ext cx="5816324" cy="3233855"/>
+          </a:xfrm>
+          <a:prstGeom prst="rect">
+            <a:avLst/>
+          </a:prstGeom>
+          <a:solidFill>
+            <a:schemeClr val="bg1">
+              <a:lumMod val="85000"/>
+            </a:schemeClr>
+          </a:solidFill>
+          <a:ln>
+            <a:solidFill>
+              <a:srgbClr val="BFBFBF"/>
+            </a:solidFill>
+          </a:ln>
+        </p:spPr>
+        <p:txBody>
+          <a:bodyPr vert="horz" wrap="square" lIns="91440" tIns="45720" rIns="91440" bIns="45720" numCol="1" rtlCol="0" anchor="ctr" anchorCtr="0" compatLnSpc="1">
+            <a:prstTxWarp prst="textNoShape">
+              <a:avLst/>
+            </a:prstTxWarp>
+          </a:bodyPr>
+          <a:lstStyle/>
+          <a:p>
+            <a:pPr marL="0" marR="0" indent="0" algn="ctr" defTabSz="914400" rtl="0" eaLnBrk="0" fontAlgn="base" latinLnBrk="0" hangingPunct="0">
+              <a:lnSpc>
+                <a:spcPct val="100000"/>
+              </a:lnSpc>
+              <a:spcBef>
+                <a:spcPct val="0"/>
+              </a:spcBef>
+              <a:spcAft>
+                <a:spcPct val="0"/>
+              </a:spcAft>
+              <a:buClrTx/>
+              <a:buSzTx/>
+              <a:buFontTx/>
+              <a:buNone/>
+              <a:tabLst/>
+            </a:pPr>
+            <a:endParaRPr kumimoji="0" lang="fr-FR" sz="1200" b="0" i="0" u="none" strike="noStrike" cap="none" normalizeH="0" baseline="0" dirty="0" smtClean="0">
+              <a:ln>
+                <a:noFill/>
+              </a:ln>
+              <a:solidFill>
+                <a:srgbClr val="00A2D8"/>
+              </a:solidFill>
+              <a:effectLst/>
+              <a:latin typeface="+mn-lt"/>
+            </a:endParaRPr>
+          </a:p>
+        </p:txBody>
+      </p:sp>
+      <p:cxnSp>
+        <p:nvCxnSpPr>
+          <p:cNvPr id="13" name="Connecteur droit avec flèche 12"/>
+          <p:cNvCxnSpPr>
+            <a:stCxn id="6" idx="0"/>
+          </p:cNvCxnSpPr>
+          <p:nvPr/>
+        </p:nvCxnSpPr>
+        <p:spPr bwMode="auto">
+          <a:xfrm flipV="1">
+            <a:off x="1934163" y="4572000"/>
+            <a:ext cx="0" cy="592885"/>
+          </a:xfrm>
+          <a:prstGeom prst="straightConnector1">
+            <a:avLst/>
+          </a:prstGeom>
+          <a:solidFill>
+            <a:schemeClr val="accent1"/>
+          </a:solidFill>
+          <a:ln w="9525" cap="flat" cmpd="sng" algn="ctr">
+            <a:solidFill>
+              <a:schemeClr val="tx2"/>
+            </a:solidFill>
+            <a:prstDash val="solid"/>
+            <a:round/>
+            <a:headEnd type="none" w="med" len="med"/>
+            <a:tailEnd type="arrow"/>
+          </a:ln>
+          <a:effectLst/>
+        </p:spPr>
+      </p:cxnSp>
+      <p:cxnSp>
+        <p:nvCxnSpPr>
+          <p:cNvPr id="17" name="Connecteur droit avec flèche 16"/>
+          <p:cNvCxnSpPr/>
+          <p:nvPr/>
+        </p:nvCxnSpPr>
+        <p:spPr bwMode="auto">
+          <a:xfrm flipV="1">
+            <a:off x="2431277" y="4581153"/>
+            <a:ext cx="0" cy="592885"/>
+          </a:xfrm>
+          <a:prstGeom prst="straightConnector1">
+            <a:avLst/>
+          </a:prstGeom>
+          <a:solidFill>
+            <a:schemeClr val="accent1"/>
+          </a:solidFill>
+          <a:ln w="9525" cap="flat" cmpd="sng" algn="ctr">
+            <a:solidFill>
+              <a:schemeClr val="tx2"/>
+            </a:solidFill>
+            <a:prstDash val="solid"/>
+            <a:round/>
+            <a:headEnd type="none" w="med" len="med"/>
+            <a:tailEnd type="arrow"/>
+          </a:ln>
+          <a:effectLst/>
+        </p:spPr>
+      </p:cxnSp>
+      <p:cxnSp>
+        <p:nvCxnSpPr>
+          <p:cNvPr id="18" name="Connecteur droit avec flèche 17"/>
+          <p:cNvCxnSpPr/>
+          <p:nvPr/>
+        </p:nvCxnSpPr>
+        <p:spPr bwMode="auto">
+          <a:xfrm flipV="1">
+            <a:off x="2982820" y="4581153"/>
+            <a:ext cx="0" cy="592885"/>
+          </a:xfrm>
+          <a:prstGeom prst="straightConnector1">
+            <a:avLst/>
+          </a:prstGeom>
+          <a:solidFill>
+            <a:schemeClr val="accent1"/>
+          </a:solidFill>
+          <a:ln w="9525" cap="flat" cmpd="sng" algn="ctr">
+            <a:solidFill>
+              <a:schemeClr val="tx2"/>
+            </a:solidFill>
+            <a:prstDash val="solid"/>
+            <a:round/>
+            <a:headEnd type="none" w="med" len="med"/>
+            <a:tailEnd type="arrow"/>
+          </a:ln>
+          <a:effectLst/>
+        </p:spPr>
+      </p:cxnSp>
+      <p:pic>
+        <p:nvPicPr>
+          <p:cNvPr id="19" name="Image 18"/>
+          <p:cNvPicPr>
+            <a:picLocks noChangeAspect="1"/>
+          </p:cNvPicPr>
+          <p:nvPr/>
+        </p:nvPicPr>
+        <p:blipFill>
+          <a:blip r:embed="rId4"/>
+          <a:stretch>
+            <a:fillRect/>
+          </a:stretch>
+        </p:blipFill>
+        <p:spPr>
+          <a:xfrm>
+            <a:off x="1538254" y="1393580"/>
+            <a:ext cx="1669160" cy="403451"/>
+          </a:xfrm>
+          <a:prstGeom prst="rect">
+            <a:avLst/>
+          </a:prstGeom>
+        </p:spPr>
+      </p:pic>
+      <p:sp>
+        <p:nvSpPr>
+          <p:cNvPr id="20" name="Rectangle 19"/>
+          <p:cNvSpPr/>
+          <p:nvPr/>
+        </p:nvSpPr>
+        <p:spPr>
+          <a:xfrm>
+            <a:off x="1609275" y="4181928"/>
+            <a:ext cx="1856011" cy="308428"/>
+          </a:xfrm>
+          <a:prstGeom prst="rect">
+            <a:avLst/>
+          </a:prstGeom>
+          <a:solidFill>
+            <a:srgbClr val="FFFFFF"/>
+          </a:solidFill>
+          <a:ln>
+            <a:solidFill>
+              <a:srgbClr val="BFBFBF"/>
+            </a:solidFill>
+          </a:ln>
+        </p:spPr>
+        <p:txBody>
+          <a:bodyPr vert="horz" wrap="square" lIns="91440" tIns="45720" rIns="91440" bIns="45720" numCol="1" rtlCol="0" anchor="ctr" anchorCtr="0" compatLnSpc="1">
+            <a:prstTxWarp prst="textNoShape">
+              <a:avLst/>
+            </a:prstTxWarp>
+          </a:bodyPr>
+          <a:lstStyle/>
+          <a:p>
+            <a:pPr marL="0" marR="0" indent="0" algn="ctr" defTabSz="914400" rtl="0" eaLnBrk="0" fontAlgn="base" latinLnBrk="0" hangingPunct="0">
+              <a:lnSpc>
+                <a:spcPct val="100000"/>
+              </a:lnSpc>
+              <a:spcBef>
+                <a:spcPct val="0"/>
+              </a:spcBef>
+              <a:spcAft>
+                <a:spcPct val="0"/>
+              </a:spcAft>
+              <a:buClrTx/>
+              <a:buSzTx/>
+              <a:buFontTx/>
+              <a:buNone/>
+              <a:tabLst/>
+            </a:pPr>
+            <a:r>
+              <a:rPr kumimoji="0" lang="fr-FR" sz="1200" b="0" i="0" u="none" strike="noStrike" cap="none" normalizeH="0" baseline="0" dirty="0" smtClean="0">
+                <a:ln>
+                  <a:noFill/>
+                </a:ln>
+                <a:solidFill>
+                  <a:srgbClr val="00A2D8"/>
+                </a:solidFill>
+                <a:effectLst/>
+                <a:latin typeface="+mn-lt"/>
+              </a:rPr>
+              <a:t>Endpoint « Monitoring »</a:t>
+            </a:r>
+            <a:endParaRPr kumimoji="0" lang="fr-FR" sz="1200" b="0" i="0" u="none" strike="noStrike" cap="none" normalizeH="0" baseline="0" dirty="0" smtClean="0">
+              <a:ln>
+                <a:noFill/>
+              </a:ln>
+              <a:solidFill>
+                <a:srgbClr val="00A2D8"/>
+              </a:solidFill>
+              <a:effectLst/>
+              <a:latin typeface="+mn-lt"/>
+            </a:endParaRPr>
+          </a:p>
+        </p:txBody>
+      </p:sp>
+      <p:sp>
+        <p:nvSpPr>
+          <p:cNvPr id="21" name="Rectangle 20"/>
+          <p:cNvSpPr/>
+          <p:nvPr/>
+        </p:nvSpPr>
+        <p:spPr>
+          <a:xfrm>
+            <a:off x="1621896" y="2979860"/>
+            <a:ext cx="1905072" cy="385307"/>
+          </a:xfrm>
+          <a:prstGeom prst="rect">
+            <a:avLst/>
+          </a:prstGeom>
+          <a:solidFill>
+            <a:srgbClr val="FFFFFF"/>
+          </a:solidFill>
+          <a:ln>
+            <a:solidFill>
+              <a:srgbClr val="BFBFBF"/>
+            </a:solidFill>
+          </a:ln>
+        </p:spPr>
+        <p:txBody>
+          <a:bodyPr vert="horz" wrap="square" lIns="91440" tIns="45720" rIns="91440" bIns="45720" numCol="1" rtlCol="0" anchor="ctr" anchorCtr="0" compatLnSpc="1">
+            <a:prstTxWarp prst="textNoShape">
+              <a:avLst/>
+            </a:prstTxWarp>
+          </a:bodyPr>
+          <a:lstStyle/>
+          <a:p>
+            <a:pPr marL="0" marR="0" indent="0" algn="ctr" defTabSz="914400" rtl="0" eaLnBrk="0" fontAlgn="base" latinLnBrk="0" hangingPunct="0">
+              <a:lnSpc>
+                <a:spcPct val="100000"/>
+              </a:lnSpc>
+              <a:spcBef>
+                <a:spcPct val="0"/>
+              </a:spcBef>
+              <a:spcAft>
+                <a:spcPct val="0"/>
+              </a:spcAft>
+              <a:buClrTx/>
+              <a:buSzTx/>
+              <a:buFontTx/>
+              <a:buNone/>
+              <a:tabLst/>
+            </a:pPr>
+            <a:r>
+              <a:rPr kumimoji="0" lang="fr-FR" sz="1000" b="0" i="1" u="none" strike="noStrike" cap="none" normalizeH="0" baseline="0" dirty="0" smtClean="0">
+                <a:ln>
+                  <a:noFill/>
+                </a:ln>
+                <a:solidFill>
+                  <a:schemeClr val="accent3">
+                    <a:lumMod val="75000"/>
+                  </a:schemeClr>
+                </a:solidFill>
+                <a:effectLst/>
+                <a:latin typeface="+mn-lt"/>
+              </a:rPr>
+              <a:t>Metric:</a:t>
+            </a:r>
+            <a:r>
+              <a:rPr kumimoji="0" lang="fr-FR" sz="1000" b="0" i="1" u="none" strike="noStrike" cap="none" normalizeH="0" dirty="0" smtClean="0">
+                <a:ln>
+                  <a:noFill/>
+                </a:ln>
+                <a:solidFill>
+                  <a:schemeClr val="accent3">
+                    <a:lumMod val="75000"/>
+                  </a:schemeClr>
+                </a:solidFill>
+                <a:effectLst/>
+                <a:latin typeface="+mn-lt"/>
+              </a:rPr>
+              <a:t> </a:t>
+            </a:r>
+            <a:r>
+              <a:rPr kumimoji="0" lang="fr-FR" sz="1000" b="0" i="1" u="none" strike="noStrike" cap="none" normalizeH="0" baseline="0" dirty="0" smtClean="0">
+                <a:ln>
+                  <a:noFill/>
+                </a:ln>
+                <a:solidFill>
+                  <a:schemeClr val="accent3">
+                    <a:lumMod val="75000"/>
+                  </a:schemeClr>
+                </a:solidFill>
+                <a:effectLst/>
+                <a:latin typeface="+mn-lt"/>
+              </a:rPr>
+              <a:t>« TicksPerSecond »</a:t>
+            </a:r>
+            <a:endParaRPr kumimoji="0" lang="fr-FR" sz="1000" b="0" i="1" u="none" strike="noStrike" cap="none" normalizeH="0" baseline="0" dirty="0" smtClean="0">
+              <a:ln>
+                <a:noFill/>
+              </a:ln>
+              <a:solidFill>
+                <a:schemeClr val="accent3">
+                  <a:lumMod val="75000"/>
+                </a:schemeClr>
+              </a:solidFill>
+              <a:effectLst/>
+              <a:latin typeface="+mn-lt"/>
+            </a:endParaRPr>
+          </a:p>
+        </p:txBody>
+      </p:sp>
+      <p:pic>
+        <p:nvPicPr>
+          <p:cNvPr id="30" name="Image 29"/>
+          <p:cNvPicPr>
+            <a:picLocks noChangeAspect="1"/>
+          </p:cNvPicPr>
+          <p:nvPr/>
+        </p:nvPicPr>
+        <p:blipFill>
+          <a:blip r:embed="rId5">
+            <a:clrChange>
+              <a:clrFrom>
+                <a:srgbClr val="FFFFFF"/>
+              </a:clrFrom>
+              <a:clrTo>
+                <a:srgbClr val="FFFFFF">
+                  <a:alpha val="0"/>
+                </a:srgbClr>
+              </a:clrTo>
+            </a:clrChange>
+          </a:blip>
+          <a:stretch>
+            <a:fillRect/>
+          </a:stretch>
+        </p:blipFill>
+        <p:spPr>
+          <a:xfrm>
+            <a:off x="1763112" y="3952610"/>
+            <a:ext cx="177610" cy="177610"/>
+          </a:xfrm>
+          <a:prstGeom prst="rect">
+            <a:avLst/>
+          </a:prstGeom>
+        </p:spPr>
+      </p:pic>
+      <p:sp>
+        <p:nvSpPr>
+          <p:cNvPr id="31" name="ZoneTexte 30"/>
+          <p:cNvSpPr txBox="1"/>
+          <p:nvPr/>
+        </p:nvSpPr>
+        <p:spPr>
+          <a:xfrm>
+            <a:off x="1840036" y="3904929"/>
+            <a:ext cx="351378" cy="276999"/>
+          </a:xfrm>
+          <a:prstGeom prst="rect">
+            <a:avLst/>
+          </a:prstGeom>
+          <a:noFill/>
+        </p:spPr>
+        <p:txBody>
+          <a:bodyPr wrap="none" rtlCol="0">
+            <a:spAutoFit/>
+          </a:bodyPr>
+          <a:lstStyle/>
+          <a:p>
+            <a:r>
+              <a:rPr lang="fr-FR" sz="1200" dirty="0" smtClean="0">
+                <a:solidFill>
+                  <a:schemeClr val="tx2">
+                    <a:lumMod val="65000"/>
+                    <a:lumOff val="35000"/>
+                  </a:schemeClr>
+                </a:solidFill>
+                <a:latin typeface="+mn-lt"/>
+              </a:rPr>
+              <a:t>1s</a:t>
+            </a:r>
+            <a:endParaRPr lang="fr-FR" sz="1200" dirty="0" smtClean="0">
+              <a:solidFill>
+                <a:schemeClr val="tx2">
+                  <a:lumMod val="65000"/>
+                  <a:lumOff val="35000"/>
+                </a:schemeClr>
+              </a:solidFill>
+              <a:latin typeface="+mn-lt"/>
+            </a:endParaRPr>
+          </a:p>
+        </p:txBody>
+      </p:sp>
+      <p:sp>
+        <p:nvSpPr>
+          <p:cNvPr id="39" name="Rectangle 38"/>
+          <p:cNvSpPr/>
+          <p:nvPr/>
+        </p:nvSpPr>
+        <p:spPr>
+          <a:xfrm>
+            <a:off x="4032321" y="2982126"/>
+            <a:ext cx="1293199" cy="385307"/>
+          </a:xfrm>
+          <a:prstGeom prst="rect">
+            <a:avLst/>
+          </a:prstGeom>
+          <a:solidFill>
+            <a:srgbClr val="FFFFFF"/>
+          </a:solidFill>
+          <a:ln>
+            <a:solidFill>
+              <a:srgbClr val="BFBFBF"/>
+            </a:solidFill>
+          </a:ln>
+        </p:spPr>
+        <p:txBody>
+          <a:bodyPr vert="horz" wrap="square" lIns="91440" tIns="45720" rIns="91440" bIns="45720" numCol="1" rtlCol="0" anchor="ctr" anchorCtr="0" compatLnSpc="1">
+            <a:prstTxWarp prst="textNoShape">
+              <a:avLst/>
+            </a:prstTxWarp>
+          </a:bodyPr>
+          <a:lstStyle/>
+          <a:p>
+            <a:pPr algn="ctr" defTabSz="914400" eaLnBrk="0" fontAlgn="base" hangingPunct="0">
+              <a:spcBef>
+                <a:spcPct val="0"/>
+              </a:spcBef>
+              <a:spcAft>
+                <a:spcPct val="0"/>
+              </a:spcAft>
+            </a:pPr>
+            <a:r>
+              <a:rPr lang="fr-FR" sz="1000" i="1" dirty="0" smtClean="0">
+                <a:solidFill>
+                  <a:srgbClr val="598D3C"/>
+                </a:solidFill>
+              </a:rPr>
+              <a:t>Metric: « </a:t>
+            </a:r>
+            <a:r>
+              <a:rPr kumimoji="0" lang="fr-FR" sz="1000" b="0" i="1" u="none" strike="noStrike" cap="none" normalizeH="0" baseline="0" dirty="0" smtClean="0">
+                <a:ln>
+                  <a:noFill/>
+                </a:ln>
+                <a:solidFill>
+                  <a:srgbClr val="598D3C"/>
+                </a:solidFill>
+                <a:effectLst/>
+              </a:rPr>
+              <a:t>UnitSLA »</a:t>
+            </a:r>
+            <a:endParaRPr kumimoji="0" lang="fr-FR" sz="1000" b="0" i="1" u="none" strike="noStrike" cap="none" normalizeH="0" baseline="0" dirty="0" smtClean="0">
+              <a:ln>
+                <a:noFill/>
+              </a:ln>
+              <a:solidFill>
+                <a:srgbClr val="598D3C"/>
+              </a:solidFill>
+              <a:effectLst/>
+            </a:endParaRPr>
+          </a:p>
+        </p:txBody>
+      </p:sp>
+      <p:pic>
+        <p:nvPicPr>
+          <p:cNvPr id="42" name="Image 41"/>
+          <p:cNvPicPr>
+            <a:picLocks noChangeAspect="1"/>
+          </p:cNvPicPr>
+          <p:nvPr/>
+        </p:nvPicPr>
+        <p:blipFill>
+          <a:blip r:embed="rId6"/>
+          <a:stretch>
+            <a:fillRect/>
+          </a:stretch>
+        </p:blipFill>
+        <p:spPr>
+          <a:xfrm>
+            <a:off x="6928519" y="4719955"/>
+            <a:ext cx="1591300" cy="1126641"/>
+          </a:xfrm>
+          <a:prstGeom prst="rect">
+            <a:avLst/>
+          </a:prstGeom>
+        </p:spPr>
+      </p:pic>
+      <p:cxnSp>
+        <p:nvCxnSpPr>
+          <p:cNvPr id="48" name="Connecteur en arc 47"/>
+          <p:cNvCxnSpPr>
+            <a:stCxn id="20" idx="3"/>
+            <a:endCxn id="39" idx="2"/>
+          </p:cNvCxnSpPr>
+          <p:nvPr/>
+        </p:nvCxnSpPr>
+        <p:spPr bwMode="auto">
+          <a:xfrm flipV="1">
+            <a:off x="3465286" y="3367433"/>
+            <a:ext cx="1213635" cy="968709"/>
+          </a:xfrm>
+          <a:prstGeom prst="curvedConnector2">
+            <a:avLst/>
+          </a:prstGeom>
+          <a:solidFill>
+            <a:schemeClr val="accent1"/>
+          </a:solidFill>
+          <a:ln w="9525" cap="flat" cmpd="sng" algn="ctr">
+            <a:solidFill>
+              <a:srgbClr val="000000"/>
+            </a:solidFill>
+            <a:prstDash val="solid"/>
+            <a:round/>
+            <a:headEnd type="none" w="med" len="med"/>
+            <a:tailEnd type="arrow"/>
+          </a:ln>
+          <a:effectLst/>
+        </p:spPr>
+      </p:cxnSp>
+      <p:sp>
+        <p:nvSpPr>
+          <p:cNvPr id="65" name="Bulle rectangulaire à coins arrondis 64"/>
+          <p:cNvSpPr/>
+          <p:nvPr/>
+        </p:nvSpPr>
+        <p:spPr bwMode="auto">
+          <a:xfrm>
+            <a:off x="1908049" y="2425959"/>
+            <a:ext cx="1046455" cy="321282"/>
+          </a:xfrm>
+          <a:prstGeom prst="wedgeRoundRectCallout">
+            <a:avLst>
+              <a:gd name="adj1" fmla="val -63492"/>
+              <a:gd name="adj2" fmla="val -5061"/>
+              <a:gd name="adj3" fmla="val 16667"/>
+            </a:avLst>
+          </a:prstGeom>
+          <a:solidFill>
+            <a:srgbClr val="000000"/>
+          </a:solidFill>
+          <a:ln w="25400" cap="flat" cmpd="sng" algn="ctr">
+            <a:solidFill>
+              <a:srgbClr val="000000">
+                <a:shade val="50000"/>
+              </a:srgbClr>
+            </a:solidFill>
+            <a:prstDash val="solid"/>
+          </a:ln>
+          <a:effectLst/>
+        </p:spPr>
+        <p:txBody>
+          <a:bodyPr anchor="ctr"/>
+          <a:lstStyle/>
+          <a:p>
+            <a:pPr marL="0" marR="0" lvl="0" indent="0" algn="ctr" defTabSz="914400" eaLnBrk="1" fontAlgn="auto" latinLnBrk="0" hangingPunct="1">
+              <a:lnSpc>
+                <a:spcPct val="100000"/>
+              </a:lnSpc>
+              <a:spcBef>
+                <a:spcPts val="0"/>
+              </a:spcBef>
+              <a:spcAft>
+                <a:spcPts val="0"/>
+              </a:spcAft>
+              <a:buClrTx/>
+              <a:buSzTx/>
+              <a:buFontTx/>
+              <a:buNone/>
+              <a:tabLst/>
+              <a:defRPr/>
+            </a:pPr>
+            <a:r>
+              <a:rPr lang="fr-FR" sz="900" kern="0" noProof="0" dirty="0" err="1" smtClean="0">
+                <a:solidFill>
+                  <a:srgbClr val="FFFFFF"/>
+                </a:solidFill>
+                <a:latin typeface="Comic Sans MS"/>
+                <a:ea typeface="ＭＳ Ｐゴシック"/>
+                <a:cs typeface="Comic Sans MS"/>
+              </a:rPr>
+              <a:t>Avg</a:t>
+            </a:r>
+            <a:r>
+              <a:rPr lang="fr-FR" sz="900" kern="0" noProof="0" dirty="0" smtClean="0">
+                <a:solidFill>
+                  <a:srgbClr val="FFFFFF"/>
+                </a:solidFill>
+                <a:latin typeface="Comic Sans MS"/>
+                <a:ea typeface="ＭＳ Ｐゴシック"/>
+                <a:cs typeface="Comic Sans MS"/>
+              </a:rPr>
+              <a:t> (moyenne)</a:t>
+            </a:r>
+          </a:p>
+          <a:p>
+            <a:pPr marL="0" marR="0" lvl="0" indent="0" algn="ctr" defTabSz="914400" eaLnBrk="1" fontAlgn="auto" latinLnBrk="0" hangingPunct="1">
+              <a:lnSpc>
+                <a:spcPct val="100000"/>
+              </a:lnSpc>
+              <a:spcBef>
+                <a:spcPts val="0"/>
+              </a:spcBef>
+              <a:spcAft>
+                <a:spcPts val="0"/>
+              </a:spcAft>
+              <a:buClrTx/>
+              <a:buSzTx/>
+              <a:buFontTx/>
+              <a:buNone/>
+              <a:tabLst/>
+              <a:defRPr/>
+            </a:pPr>
+            <a:r>
+              <a:rPr kumimoji="0" lang="fr-FR" sz="900" b="0" i="0" u="none" strike="noStrike" kern="0" cap="none" spc="0" normalizeH="0" baseline="0" dirty="0" smtClean="0">
+                <a:ln>
+                  <a:noFill/>
+                </a:ln>
+                <a:solidFill>
+                  <a:srgbClr val="FFFFFF"/>
+                </a:solidFill>
+                <a:effectLst/>
+                <a:uLnTx/>
+                <a:uFillTx/>
+                <a:latin typeface="Comic Sans MS"/>
+                <a:ea typeface="ＭＳ Ｐゴシック"/>
+                <a:cs typeface="Comic Sans MS"/>
+              </a:rPr>
+              <a:t>Sur</a:t>
+            </a:r>
+            <a:r>
+              <a:rPr kumimoji="0" lang="fr-FR" sz="900" b="0" i="0" u="none" strike="noStrike" kern="0" cap="none" spc="0" normalizeH="0" dirty="0" smtClean="0">
+                <a:ln>
+                  <a:noFill/>
+                </a:ln>
+                <a:solidFill>
+                  <a:srgbClr val="FFFFFF"/>
+                </a:solidFill>
+                <a:effectLst/>
+                <a:uLnTx/>
+                <a:uFillTx/>
+                <a:latin typeface="Comic Sans MS"/>
+                <a:ea typeface="ＭＳ Ｐゴシック"/>
+                <a:cs typeface="Comic Sans MS"/>
+              </a:rPr>
+              <a:t> 10s</a:t>
+            </a:r>
+            <a:endParaRPr kumimoji="0" lang="fr-FR" sz="900" b="0" i="0" u="none" strike="noStrike" kern="0" cap="none" spc="0" normalizeH="0" baseline="0" noProof="0" dirty="0">
+              <a:ln>
+                <a:noFill/>
+              </a:ln>
+              <a:solidFill>
+                <a:srgbClr val="FFFFFF"/>
+              </a:solidFill>
+              <a:effectLst/>
+              <a:uLnTx/>
+              <a:uFillTx/>
+              <a:latin typeface="Comic Sans MS"/>
+              <a:ea typeface="ＭＳ Ｐゴシック"/>
+              <a:cs typeface="Comic Sans MS"/>
+            </a:endParaRPr>
+          </a:p>
+        </p:txBody>
+      </p:sp>
+      <p:cxnSp>
+        <p:nvCxnSpPr>
+          <p:cNvPr id="84" name="Connecteur droit avec flèche 83"/>
+          <p:cNvCxnSpPr/>
+          <p:nvPr/>
+        </p:nvCxnSpPr>
+        <p:spPr bwMode="auto">
+          <a:xfrm flipV="1">
+            <a:off x="1754163" y="3366783"/>
+            <a:ext cx="0" cy="799588"/>
+          </a:xfrm>
+          <a:prstGeom prst="straightConnector1">
+            <a:avLst/>
+          </a:prstGeom>
+          <a:solidFill>
+            <a:schemeClr val="accent1"/>
+          </a:solidFill>
+          <a:ln w="9525" cap="flat" cmpd="sng" algn="ctr">
+            <a:solidFill>
+              <a:srgbClr val="000000"/>
+            </a:solidFill>
+            <a:prstDash val="solid"/>
+            <a:round/>
+            <a:headEnd type="none" w="med" len="med"/>
+            <a:tailEnd type="arrow"/>
+          </a:ln>
+          <a:effectLst/>
+        </p:spPr>
+      </p:cxnSp>
+      <p:cxnSp>
+        <p:nvCxnSpPr>
+          <p:cNvPr id="87" name="Connecteur droit avec flèche 86"/>
+          <p:cNvCxnSpPr/>
+          <p:nvPr/>
+        </p:nvCxnSpPr>
+        <p:spPr bwMode="auto">
+          <a:xfrm flipV="1">
+            <a:off x="1754163" y="2272736"/>
+            <a:ext cx="0" cy="707124"/>
+          </a:xfrm>
+          <a:prstGeom prst="straightConnector1">
+            <a:avLst/>
+          </a:prstGeom>
+          <a:solidFill>
+            <a:schemeClr val="accent1"/>
+          </a:solidFill>
+          <a:ln w="9525" cap="flat" cmpd="sng" algn="ctr">
+            <a:solidFill>
+              <a:srgbClr val="000000"/>
+            </a:solidFill>
+            <a:prstDash val="solid"/>
+            <a:round/>
+            <a:headEnd type="none" w="med" len="med"/>
+            <a:tailEnd type="arrow"/>
+          </a:ln>
+          <a:effectLst/>
+        </p:spPr>
+      </p:cxnSp>
+      <p:sp>
+        <p:nvSpPr>
+          <p:cNvPr id="92" name="Rectangle 91"/>
+          <p:cNvSpPr/>
+          <p:nvPr/>
+        </p:nvSpPr>
+        <p:spPr>
+          <a:xfrm>
+            <a:off x="5611329" y="2981476"/>
+            <a:ext cx="1572005" cy="385307"/>
+          </a:xfrm>
+          <a:prstGeom prst="rect">
+            <a:avLst/>
+          </a:prstGeom>
+          <a:solidFill>
+            <a:srgbClr val="FFFFFF"/>
+          </a:solidFill>
+          <a:ln>
+            <a:solidFill>
+              <a:srgbClr val="BFBFBF"/>
+            </a:solidFill>
+          </a:ln>
+        </p:spPr>
+        <p:txBody>
+          <a:bodyPr vert="horz" wrap="square" lIns="91440" tIns="45720" rIns="91440" bIns="45720" numCol="1" rtlCol="0" anchor="ctr" anchorCtr="0" compatLnSpc="1">
+            <a:prstTxWarp prst="textNoShape">
+              <a:avLst/>
+            </a:prstTxWarp>
+          </a:bodyPr>
+          <a:lstStyle/>
+          <a:p>
+            <a:pPr algn="ctr" defTabSz="914400" eaLnBrk="0" fontAlgn="base" hangingPunct="0">
+              <a:spcBef>
+                <a:spcPct val="0"/>
+              </a:spcBef>
+              <a:spcAft>
+                <a:spcPct val="0"/>
+              </a:spcAft>
+            </a:pPr>
+            <a:r>
+              <a:rPr lang="fr-FR" sz="1000" i="1" dirty="0" smtClean="0">
+                <a:solidFill>
+                  <a:srgbClr val="598D3C"/>
+                </a:solidFill>
+              </a:rPr>
+              <a:t>Metric: « </a:t>
+            </a:r>
+            <a:r>
+              <a:rPr kumimoji="0" lang="fr-FR" sz="1000" b="0" i="1" u="none" strike="noStrike" cap="none" normalizeH="0" baseline="0" dirty="0" smtClean="0">
+                <a:ln>
+                  <a:noFill/>
+                </a:ln>
+                <a:solidFill>
+                  <a:srgbClr val="598D3C"/>
+                </a:solidFill>
+                <a:effectLst/>
+              </a:rPr>
+              <a:t>GlobalSLA »</a:t>
+            </a:r>
+            <a:endParaRPr kumimoji="0" lang="fr-FR" sz="1000" b="0" i="1" u="none" strike="noStrike" cap="none" normalizeH="0" baseline="0" dirty="0" smtClean="0">
+              <a:ln>
+                <a:noFill/>
+              </a:ln>
+              <a:solidFill>
+                <a:srgbClr val="598D3C"/>
+              </a:solidFill>
+              <a:effectLst/>
+            </a:endParaRPr>
+          </a:p>
+        </p:txBody>
+      </p:sp>
+      <p:sp>
+        <p:nvSpPr>
+          <p:cNvPr id="93" name="Bulle rectangulaire à coins arrondis 92"/>
+          <p:cNvSpPr/>
+          <p:nvPr/>
+        </p:nvSpPr>
+        <p:spPr bwMode="auto">
+          <a:xfrm>
+            <a:off x="1936365" y="3517749"/>
+            <a:ext cx="1046455" cy="321282"/>
+          </a:xfrm>
+          <a:prstGeom prst="wedgeRoundRectCallout">
+            <a:avLst>
+              <a:gd name="adj1" fmla="val -63492"/>
+              <a:gd name="adj2" fmla="val -5061"/>
+              <a:gd name="adj3" fmla="val 16667"/>
+            </a:avLst>
+          </a:prstGeom>
+          <a:solidFill>
+            <a:srgbClr val="000000"/>
+          </a:solidFill>
+          <a:ln w="25400" cap="flat" cmpd="sng" algn="ctr">
+            <a:solidFill>
+              <a:srgbClr val="000000">
+                <a:shade val="50000"/>
+              </a:srgbClr>
+            </a:solidFill>
+            <a:prstDash val="solid"/>
+          </a:ln>
+          <a:effectLst/>
+        </p:spPr>
+        <p:txBody>
+          <a:bodyPr anchor="ctr"/>
+          <a:lstStyle/>
+          <a:p>
+            <a:pPr marL="0" marR="0" lvl="0" indent="0" algn="ctr" defTabSz="914400" eaLnBrk="1" fontAlgn="auto" latinLnBrk="0" hangingPunct="1">
+              <a:lnSpc>
+                <a:spcPct val="100000"/>
+              </a:lnSpc>
+              <a:spcBef>
+                <a:spcPts val="0"/>
+              </a:spcBef>
+              <a:spcAft>
+                <a:spcPts val="0"/>
+              </a:spcAft>
+              <a:buClrTx/>
+              <a:buSzTx/>
+              <a:buFontTx/>
+              <a:buNone/>
+              <a:tabLst/>
+              <a:defRPr/>
+            </a:pPr>
+            <a:r>
+              <a:rPr lang="fr-FR" sz="900" kern="0" noProof="0" dirty="0" smtClean="0">
+                <a:solidFill>
+                  <a:srgbClr val="FFFFFF"/>
+                </a:solidFill>
+                <a:latin typeface="Comic Sans MS"/>
+                <a:ea typeface="ＭＳ Ｐゴシック"/>
+                <a:cs typeface="Comic Sans MS"/>
+              </a:rPr>
+              <a:t>Group by id</a:t>
+            </a:r>
+          </a:p>
+          <a:p>
+            <a:pPr marL="0" marR="0" lvl="0" indent="0" algn="ctr" defTabSz="914400" eaLnBrk="1" fontAlgn="auto" latinLnBrk="0" hangingPunct="1">
+              <a:lnSpc>
+                <a:spcPct val="100000"/>
+              </a:lnSpc>
+              <a:spcBef>
+                <a:spcPts val="0"/>
+              </a:spcBef>
+              <a:spcAft>
+                <a:spcPts val="0"/>
+              </a:spcAft>
+              <a:buClrTx/>
+              <a:buSzTx/>
+              <a:buFontTx/>
+              <a:buNone/>
+              <a:tabLst/>
+              <a:defRPr/>
+            </a:pPr>
+            <a:r>
+              <a:rPr lang="fr-FR" sz="900" kern="0" dirty="0" smtClean="0">
+                <a:solidFill>
+                  <a:srgbClr val="FFFFFF"/>
+                </a:solidFill>
+                <a:latin typeface="Comic Sans MS"/>
+                <a:ea typeface="ＭＳ Ｐゴシック"/>
+                <a:cs typeface="Comic Sans MS"/>
+              </a:rPr>
+              <a:t>+ count</a:t>
+            </a:r>
+            <a:endParaRPr lang="fr-FR" sz="900" kern="0" noProof="0" dirty="0" smtClean="0">
+              <a:solidFill>
+                <a:srgbClr val="FFFFFF"/>
+              </a:solidFill>
+              <a:latin typeface="Comic Sans MS"/>
+              <a:ea typeface="ＭＳ Ｐゴシック"/>
+              <a:cs typeface="Comic Sans MS"/>
+            </a:endParaRPr>
+          </a:p>
+        </p:txBody>
+      </p:sp>
+      <p:pic>
+        <p:nvPicPr>
+          <p:cNvPr id="95" name="Image 94"/>
+          <p:cNvPicPr>
+            <a:picLocks noChangeAspect="1"/>
+          </p:cNvPicPr>
+          <p:nvPr/>
+        </p:nvPicPr>
+        <p:blipFill>
+          <a:blip r:embed="rId5">
+            <a:clrChange>
+              <a:clrFrom>
+                <a:srgbClr val="FFFFFF"/>
+              </a:clrFrom>
+              <a:clrTo>
+                <a:srgbClr val="FFFFFF">
+                  <a:alpha val="0"/>
+                </a:srgbClr>
+              </a:clrTo>
+            </a:clrChange>
+          </a:blip>
+          <a:stretch>
+            <a:fillRect/>
+          </a:stretch>
+        </p:blipFill>
+        <p:spPr>
+          <a:xfrm>
+            <a:off x="1756149" y="2769628"/>
+            <a:ext cx="177610" cy="177610"/>
+          </a:xfrm>
+          <a:prstGeom prst="rect">
+            <a:avLst/>
+          </a:prstGeom>
+        </p:spPr>
+      </p:pic>
+      <p:sp>
+        <p:nvSpPr>
+          <p:cNvPr id="96" name="ZoneTexte 95"/>
+          <p:cNvSpPr txBox="1"/>
+          <p:nvPr/>
+        </p:nvSpPr>
+        <p:spPr>
+          <a:xfrm>
+            <a:off x="1833073" y="2721947"/>
+            <a:ext cx="351378" cy="276999"/>
+          </a:xfrm>
+          <a:prstGeom prst="rect">
+            <a:avLst/>
+          </a:prstGeom>
+          <a:noFill/>
+        </p:spPr>
+        <p:txBody>
+          <a:bodyPr wrap="none" rtlCol="0">
+            <a:spAutoFit/>
+          </a:bodyPr>
+          <a:lstStyle/>
+          <a:p>
+            <a:r>
+              <a:rPr lang="fr-FR" sz="1200" dirty="0">
+                <a:solidFill>
+                  <a:schemeClr val="tx2">
+                    <a:lumMod val="65000"/>
+                    <a:lumOff val="35000"/>
+                  </a:schemeClr>
+                </a:solidFill>
+              </a:rPr>
+              <a:t>5</a:t>
+            </a:r>
+            <a:r>
+              <a:rPr lang="fr-FR" sz="1200" dirty="0" smtClean="0">
+                <a:solidFill>
+                  <a:schemeClr val="tx2">
+                    <a:lumMod val="65000"/>
+                    <a:lumOff val="35000"/>
+                  </a:schemeClr>
+                </a:solidFill>
+                <a:latin typeface="+mn-lt"/>
+              </a:rPr>
+              <a:t>s</a:t>
+            </a:r>
+            <a:endParaRPr lang="fr-FR" sz="1200" dirty="0" smtClean="0">
+              <a:solidFill>
+                <a:schemeClr val="tx2">
+                  <a:lumMod val="65000"/>
+                  <a:lumOff val="35000"/>
+                </a:schemeClr>
+              </a:solidFill>
+              <a:latin typeface="+mn-lt"/>
+            </a:endParaRPr>
+          </a:p>
+        </p:txBody>
+      </p:sp>
+      <p:pic>
+        <p:nvPicPr>
+          <p:cNvPr id="99" name="Image 98"/>
+          <p:cNvPicPr>
+            <a:picLocks noChangeAspect="1"/>
+          </p:cNvPicPr>
+          <p:nvPr/>
+        </p:nvPicPr>
+        <p:blipFill>
+          <a:blip r:embed="rId5">
+            <a:clrChange>
+              <a:clrFrom>
+                <a:srgbClr val="FFFFFF"/>
+              </a:clrFrom>
+              <a:clrTo>
+                <a:srgbClr val="FFFFFF">
+                  <a:alpha val="0"/>
+                </a:srgbClr>
+              </a:clrTo>
+            </a:clrChange>
+          </a:blip>
+          <a:stretch>
+            <a:fillRect/>
+          </a:stretch>
+        </p:blipFill>
+        <p:spPr>
+          <a:xfrm>
+            <a:off x="3315789" y="3943649"/>
+            <a:ext cx="177610" cy="177610"/>
+          </a:xfrm>
+          <a:prstGeom prst="rect">
+            <a:avLst/>
+          </a:prstGeom>
+        </p:spPr>
+      </p:pic>
+      <p:sp>
+        <p:nvSpPr>
+          <p:cNvPr id="100" name="ZoneTexte 99"/>
+          <p:cNvSpPr txBox="1"/>
+          <p:nvPr/>
+        </p:nvSpPr>
+        <p:spPr>
+          <a:xfrm>
+            <a:off x="3392713" y="3895968"/>
+            <a:ext cx="351378" cy="276999"/>
+          </a:xfrm>
+          <a:prstGeom prst="rect">
+            <a:avLst/>
+          </a:prstGeom>
+          <a:noFill/>
+        </p:spPr>
+        <p:txBody>
+          <a:bodyPr wrap="none" rtlCol="0">
+            <a:spAutoFit/>
+          </a:bodyPr>
+          <a:lstStyle/>
+          <a:p>
+            <a:r>
+              <a:rPr lang="fr-FR" sz="1200" dirty="0" smtClean="0">
+                <a:solidFill>
+                  <a:schemeClr val="tx2">
+                    <a:lumMod val="65000"/>
+                    <a:lumOff val="35000"/>
+                  </a:schemeClr>
+                </a:solidFill>
+                <a:latin typeface="+mn-lt"/>
+              </a:rPr>
+              <a:t>1s</a:t>
+            </a:r>
+            <a:endParaRPr lang="fr-FR" sz="1200" dirty="0" smtClean="0">
+              <a:solidFill>
+                <a:schemeClr val="tx2">
+                  <a:lumMod val="65000"/>
+                  <a:lumOff val="35000"/>
+                </a:schemeClr>
+              </a:solidFill>
+              <a:latin typeface="+mn-lt"/>
+            </a:endParaRPr>
+          </a:p>
+        </p:txBody>
+      </p:sp>
+      <p:sp>
+        <p:nvSpPr>
+          <p:cNvPr id="101" name="Bulle rectangulaire à coins arrondis 100"/>
+          <p:cNvSpPr/>
+          <p:nvPr/>
+        </p:nvSpPr>
+        <p:spPr bwMode="auto">
+          <a:xfrm>
+            <a:off x="3315789" y="3509508"/>
+            <a:ext cx="1046455" cy="321282"/>
+          </a:xfrm>
+          <a:prstGeom prst="wedgeRoundRectCallout">
+            <a:avLst>
+              <a:gd name="adj1" fmla="val 58957"/>
+              <a:gd name="adj2" fmla="val 44354"/>
+              <a:gd name="adj3" fmla="val 16667"/>
+            </a:avLst>
+          </a:prstGeom>
+          <a:solidFill>
+            <a:srgbClr val="000000"/>
+          </a:solidFill>
+          <a:ln w="25400" cap="flat" cmpd="sng" algn="ctr">
+            <a:solidFill>
+              <a:srgbClr val="000000">
+                <a:shade val="50000"/>
+              </a:srgbClr>
+            </a:solidFill>
+            <a:prstDash val="solid"/>
+          </a:ln>
+          <a:effectLst/>
+        </p:spPr>
+        <p:txBody>
+          <a:bodyPr anchor="ctr"/>
+          <a:lstStyle/>
+          <a:p>
+            <a:pPr marL="0" marR="0" lvl="0" indent="0" algn="ctr" defTabSz="914400" eaLnBrk="1" fontAlgn="auto" latinLnBrk="0" hangingPunct="1">
+              <a:lnSpc>
+                <a:spcPct val="100000"/>
+              </a:lnSpc>
+              <a:spcBef>
+                <a:spcPts val="0"/>
+              </a:spcBef>
+              <a:spcAft>
+                <a:spcPts val="0"/>
+              </a:spcAft>
+              <a:buClrTx/>
+              <a:buSzTx/>
+              <a:buFontTx/>
+              <a:buNone/>
+              <a:tabLst/>
+              <a:defRPr/>
+            </a:pPr>
+            <a:r>
+              <a:rPr lang="fr-FR" sz="900" kern="0" noProof="0" dirty="0" smtClean="0">
+                <a:solidFill>
+                  <a:srgbClr val="FFFFFF"/>
+                </a:solidFill>
+                <a:latin typeface="Comic Sans MS"/>
+                <a:ea typeface="ＭＳ Ｐゴシック"/>
+                <a:cs typeface="Comic Sans MS"/>
+              </a:rPr>
+              <a:t>Elapsed Time </a:t>
+            </a:r>
+          </a:p>
+          <a:p>
+            <a:pPr marL="0" marR="0" lvl="0" indent="0" algn="ctr" defTabSz="914400" eaLnBrk="1" fontAlgn="auto" latinLnBrk="0" hangingPunct="1">
+              <a:lnSpc>
+                <a:spcPct val="100000"/>
+              </a:lnSpc>
+              <a:spcBef>
+                <a:spcPts val="0"/>
+              </a:spcBef>
+              <a:spcAft>
+                <a:spcPts val="0"/>
+              </a:spcAft>
+              <a:buClrTx/>
+              <a:buSzTx/>
+              <a:buFontTx/>
+              <a:buNone/>
+              <a:tabLst/>
+              <a:defRPr/>
+            </a:pPr>
+            <a:r>
+              <a:rPr lang="fr-FR" sz="900" kern="0" dirty="0">
+                <a:solidFill>
+                  <a:srgbClr val="FFFFFF"/>
+                </a:solidFill>
+                <a:latin typeface="Comic Sans MS"/>
+                <a:ea typeface="ＭＳ Ｐゴシック"/>
+                <a:cs typeface="Comic Sans MS"/>
+              </a:rPr>
+              <a:t>i</a:t>
+            </a:r>
+            <a:r>
+              <a:rPr lang="fr-FR" sz="900" kern="0" noProof="0" dirty="0" smtClean="0">
+                <a:solidFill>
+                  <a:srgbClr val="FFFFFF"/>
+                </a:solidFill>
+                <a:latin typeface="Comic Sans MS"/>
+                <a:ea typeface="ＭＳ Ｐゴシック"/>
+                <a:cs typeface="Comic Sans MS"/>
+              </a:rPr>
+              <a:t>d </a:t>
+            </a:r>
+            <a:r>
+              <a:rPr lang="fr-FR" sz="900" kern="0" dirty="0" smtClean="0">
+                <a:solidFill>
+                  <a:srgbClr val="FFFFFF"/>
+                </a:solidFill>
+                <a:latin typeface="Comic Sans MS"/>
+                <a:ea typeface="ＭＳ Ｐゴシック"/>
+                <a:cs typeface="Comic Sans MS"/>
+              </a:rPr>
+              <a:t>+ component</a:t>
+            </a:r>
+            <a:endParaRPr lang="fr-FR" sz="900" kern="0" noProof="0" dirty="0" smtClean="0">
+              <a:solidFill>
+                <a:srgbClr val="FFFFFF"/>
+              </a:solidFill>
+              <a:latin typeface="Comic Sans MS"/>
+              <a:ea typeface="ＭＳ Ｐゴシック"/>
+              <a:cs typeface="Comic Sans MS"/>
+            </a:endParaRPr>
+          </a:p>
+        </p:txBody>
+      </p:sp>
+      <p:cxnSp>
+        <p:nvCxnSpPr>
+          <p:cNvPr id="102" name="Connecteur en arc 101"/>
+          <p:cNvCxnSpPr>
+            <a:stCxn id="20" idx="3"/>
+            <a:endCxn id="92" idx="2"/>
+          </p:cNvCxnSpPr>
+          <p:nvPr/>
+        </p:nvCxnSpPr>
+        <p:spPr bwMode="auto">
+          <a:xfrm flipV="1">
+            <a:off x="3465286" y="3366783"/>
+            <a:ext cx="2932046" cy="969359"/>
+          </a:xfrm>
+          <a:prstGeom prst="curvedConnector2">
+            <a:avLst/>
+          </a:prstGeom>
+          <a:solidFill>
+            <a:schemeClr val="accent1"/>
+          </a:solidFill>
+          <a:ln w="9525" cap="flat" cmpd="sng" algn="ctr">
+            <a:solidFill>
+              <a:srgbClr val="000000"/>
+            </a:solidFill>
+            <a:prstDash val="solid"/>
+            <a:round/>
+            <a:headEnd type="none" w="med" len="med"/>
+            <a:tailEnd type="arrow"/>
+          </a:ln>
+          <a:effectLst/>
+        </p:spPr>
+      </p:cxnSp>
+      <p:sp>
+        <p:nvSpPr>
+          <p:cNvPr id="105" name="Bulle rectangulaire à coins arrondis 104"/>
+          <p:cNvSpPr/>
+          <p:nvPr/>
+        </p:nvSpPr>
+        <p:spPr bwMode="auto">
+          <a:xfrm>
+            <a:off x="5873005" y="3987784"/>
+            <a:ext cx="1278087" cy="473237"/>
+          </a:xfrm>
+          <a:prstGeom prst="wedgeRoundRectCallout">
+            <a:avLst>
+              <a:gd name="adj1" fmla="val -73241"/>
+              <a:gd name="adj2" fmla="val -39516"/>
+              <a:gd name="adj3" fmla="val 16667"/>
+            </a:avLst>
+          </a:prstGeom>
+          <a:solidFill>
+            <a:srgbClr val="000000"/>
+          </a:solidFill>
+          <a:ln w="25400" cap="flat" cmpd="sng" algn="ctr">
+            <a:solidFill>
+              <a:srgbClr val="000000">
+                <a:shade val="50000"/>
+              </a:srgbClr>
+            </a:solidFill>
+            <a:prstDash val="solid"/>
+          </a:ln>
+          <a:effectLst/>
+        </p:spPr>
+        <p:txBody>
+          <a:bodyPr anchor="ctr"/>
+          <a:lstStyle/>
+          <a:p>
+            <a:pPr marL="0" marR="0" lvl="0" indent="0" algn="ctr" defTabSz="914400" eaLnBrk="1" fontAlgn="auto" latinLnBrk="0" hangingPunct="1">
+              <a:lnSpc>
+                <a:spcPct val="100000"/>
+              </a:lnSpc>
+              <a:spcBef>
+                <a:spcPts val="0"/>
+              </a:spcBef>
+              <a:spcAft>
+                <a:spcPts val="0"/>
+              </a:spcAft>
+              <a:buClrTx/>
+              <a:buSzTx/>
+              <a:buFontTx/>
+              <a:buNone/>
+              <a:tabLst/>
+              <a:defRPr/>
+            </a:pPr>
+            <a:r>
+              <a:rPr lang="fr-FR" sz="900" kern="0" dirty="0">
+                <a:solidFill>
+                  <a:srgbClr val="FFFFFF"/>
+                </a:solidFill>
+                <a:latin typeface="Comic Sans MS"/>
+                <a:ea typeface="ＭＳ Ｐゴシック"/>
+                <a:cs typeface="Comic Sans MS"/>
+              </a:rPr>
+              <a:t>m</a:t>
+            </a:r>
+            <a:r>
+              <a:rPr lang="fr-FR" sz="900" kern="0" noProof="0" dirty="0" err="1" smtClean="0">
+                <a:solidFill>
+                  <a:srgbClr val="FFFFFF"/>
+                </a:solidFill>
+                <a:latin typeface="Comic Sans MS"/>
+                <a:ea typeface="ＭＳ Ｐゴシック"/>
+                <a:cs typeface="Comic Sans MS"/>
+              </a:rPr>
+              <a:t>ax</a:t>
+            </a:r>
+            <a:r>
+              <a:rPr lang="fr-FR" sz="900" kern="0" noProof="0" dirty="0" smtClean="0">
+                <a:solidFill>
+                  <a:srgbClr val="FFFFFF"/>
+                </a:solidFill>
+                <a:latin typeface="Comic Sans MS"/>
+                <a:ea typeface="ＭＳ Ｐゴシック"/>
+                <a:cs typeface="Comic Sans MS"/>
+              </a:rPr>
+              <a:t>(timestamp</a:t>
+            </a:r>
+            <a:r>
+              <a:rPr lang="fr-FR" sz="900" kern="0" dirty="0" smtClean="0">
+                <a:solidFill>
+                  <a:srgbClr val="FFFFFF"/>
+                </a:solidFill>
+                <a:latin typeface="Comic Sans MS"/>
+                <a:ea typeface="ＭＳ Ｐゴシック"/>
+                <a:cs typeface="Comic Sans MS"/>
+              </a:rPr>
+              <a:t>)</a:t>
+            </a:r>
+          </a:p>
+          <a:p>
+            <a:pPr algn="ctr" defTabSz="914400">
+              <a:defRPr/>
+            </a:pPr>
+            <a:r>
+              <a:rPr lang="fr-FR" sz="900" kern="0" dirty="0" smtClean="0">
+                <a:solidFill>
+                  <a:srgbClr val="FFFFFF"/>
+                </a:solidFill>
+                <a:latin typeface="Comic Sans MS"/>
+                <a:ea typeface="ＭＳ Ｐゴシック"/>
+                <a:cs typeface="Comic Sans MS"/>
+              </a:rPr>
+              <a:t>min(</a:t>
+            </a:r>
+            <a:r>
+              <a:rPr lang="fr-FR" sz="900" kern="0" dirty="0">
+                <a:solidFill>
+                  <a:srgbClr val="FFFFFF"/>
+                </a:solidFill>
+                <a:latin typeface="Comic Sans MS"/>
+                <a:ea typeface="ＭＳ Ｐゴシック"/>
+                <a:cs typeface="Comic Sans MS"/>
+              </a:rPr>
+              <a:t>timestamp</a:t>
+            </a:r>
+            <a:r>
+              <a:rPr lang="fr-FR" sz="900" kern="0" dirty="0" smtClean="0">
+                <a:solidFill>
+                  <a:srgbClr val="FFFFFF"/>
+                </a:solidFill>
+                <a:latin typeface="Comic Sans MS"/>
+                <a:ea typeface="ＭＳ Ｐゴシック"/>
+                <a:cs typeface="Comic Sans MS"/>
+              </a:rPr>
+              <a:t>)</a:t>
+            </a:r>
+            <a:r>
+              <a:rPr lang="fr-FR" sz="900" kern="0" dirty="0" smtClean="0">
+                <a:solidFill>
+                  <a:srgbClr val="FFFFFF"/>
+                </a:solidFill>
+                <a:latin typeface="Comic Sans MS"/>
+                <a:ea typeface="ＭＳ Ｐゴシック"/>
+                <a:cs typeface="Comic Sans MS"/>
+              </a:rPr>
+              <a:t>`</a:t>
+            </a:r>
+          </a:p>
+          <a:p>
+            <a:pPr algn="ctr" defTabSz="914400">
+              <a:defRPr/>
+            </a:pPr>
+            <a:r>
+              <a:rPr lang="fr-FR" sz="900" kern="0" dirty="0" smtClean="0">
+                <a:solidFill>
+                  <a:srgbClr val="FFFFFF"/>
+                </a:solidFill>
+                <a:latin typeface="Comic Sans MS"/>
+                <a:ea typeface="ＭＳ Ｐゴシック"/>
+                <a:cs typeface="Comic Sans MS"/>
+              </a:rPr>
+              <a:t>group by id</a:t>
+            </a:r>
+          </a:p>
+        </p:txBody>
+      </p:sp>
+      <p:pic>
+        <p:nvPicPr>
+          <p:cNvPr id="106" name="Image 105"/>
+          <p:cNvPicPr>
+            <a:picLocks noChangeAspect="1"/>
+          </p:cNvPicPr>
+          <p:nvPr/>
+        </p:nvPicPr>
+        <p:blipFill>
+          <a:blip r:embed="rId5">
+            <a:clrChange>
+              <a:clrFrom>
+                <a:srgbClr val="FFFFFF"/>
+              </a:clrFrom>
+              <a:clrTo>
+                <a:srgbClr val="FFFFFF">
+                  <a:alpha val="0"/>
+                </a:srgbClr>
+              </a:clrTo>
+            </a:clrChange>
+          </a:blip>
+          <a:stretch>
+            <a:fillRect/>
+          </a:stretch>
+        </p:blipFill>
+        <p:spPr>
+          <a:xfrm>
+            <a:off x="3505624" y="4351482"/>
+            <a:ext cx="177610" cy="177610"/>
+          </a:xfrm>
+          <a:prstGeom prst="rect">
+            <a:avLst/>
+          </a:prstGeom>
+        </p:spPr>
+      </p:pic>
+      <p:sp>
+        <p:nvSpPr>
+          <p:cNvPr id="107" name="ZoneTexte 106"/>
+          <p:cNvSpPr txBox="1"/>
+          <p:nvPr/>
+        </p:nvSpPr>
+        <p:spPr>
+          <a:xfrm>
+            <a:off x="3582548" y="4303801"/>
+            <a:ext cx="351378" cy="276999"/>
+          </a:xfrm>
+          <a:prstGeom prst="rect">
+            <a:avLst/>
+          </a:prstGeom>
+          <a:noFill/>
+        </p:spPr>
+        <p:txBody>
+          <a:bodyPr wrap="none" rtlCol="0">
+            <a:spAutoFit/>
+          </a:bodyPr>
+          <a:lstStyle/>
+          <a:p>
+            <a:r>
+              <a:rPr lang="fr-FR" sz="1200" dirty="0">
+                <a:solidFill>
+                  <a:schemeClr val="tx2">
+                    <a:lumMod val="65000"/>
+                    <a:lumOff val="35000"/>
+                  </a:schemeClr>
+                </a:solidFill>
+              </a:rPr>
+              <a:t>5</a:t>
+            </a:r>
+            <a:r>
+              <a:rPr lang="fr-FR" sz="1200" dirty="0" smtClean="0">
+                <a:solidFill>
+                  <a:schemeClr val="tx2">
+                    <a:lumMod val="65000"/>
+                    <a:lumOff val="35000"/>
+                  </a:schemeClr>
+                </a:solidFill>
+                <a:latin typeface="+mn-lt"/>
+              </a:rPr>
+              <a:t>s</a:t>
+            </a:r>
+            <a:endParaRPr lang="fr-FR" sz="1200" dirty="0" smtClean="0">
+              <a:solidFill>
+                <a:schemeClr val="tx2">
+                  <a:lumMod val="65000"/>
+                  <a:lumOff val="35000"/>
+                </a:schemeClr>
+              </a:solidFill>
+              <a:latin typeface="+mn-lt"/>
+            </a:endParaRPr>
+          </a:p>
+        </p:txBody>
+      </p:sp>
+      <p:sp>
+        <p:nvSpPr>
+          <p:cNvPr id="108" name="Rectangle 107"/>
+          <p:cNvSpPr/>
+          <p:nvPr/>
+        </p:nvSpPr>
+        <p:spPr>
+          <a:xfrm>
+            <a:off x="1609275" y="1887429"/>
+            <a:ext cx="1905072" cy="385307"/>
+          </a:xfrm>
+          <a:prstGeom prst="rect">
+            <a:avLst/>
+          </a:prstGeom>
+          <a:solidFill>
+            <a:schemeClr val="bg1"/>
+          </a:solidFill>
+          <a:ln>
+            <a:solidFill>
+              <a:srgbClr val="BFBFBF"/>
+            </a:solidFill>
+          </a:ln>
+        </p:spPr>
+        <p:txBody>
+          <a:bodyPr vert="horz" wrap="square" lIns="91440" tIns="45720" rIns="91440" bIns="45720" numCol="1" rtlCol="0" anchor="ctr" anchorCtr="0" compatLnSpc="1">
+            <a:prstTxWarp prst="textNoShape">
+              <a:avLst/>
+            </a:prstTxWarp>
+          </a:bodyPr>
+          <a:lstStyle/>
+          <a:p>
+            <a:pPr marL="0" marR="0" indent="0" algn="ctr" defTabSz="914400" rtl="0" eaLnBrk="0" fontAlgn="base" latinLnBrk="0" hangingPunct="0">
+              <a:lnSpc>
+                <a:spcPct val="100000"/>
+              </a:lnSpc>
+              <a:spcBef>
+                <a:spcPct val="0"/>
+              </a:spcBef>
+              <a:spcAft>
+                <a:spcPct val="0"/>
+              </a:spcAft>
+              <a:buClrTx/>
+              <a:buSzTx/>
+              <a:buFontTx/>
+              <a:buNone/>
+              <a:tabLst/>
+            </a:pPr>
+            <a:r>
+              <a:rPr kumimoji="0" lang="fr-FR" sz="1000" b="0" i="1" u="none" strike="noStrike" cap="none" normalizeH="0" baseline="0" dirty="0" smtClean="0">
+                <a:ln>
+                  <a:noFill/>
+                </a:ln>
+                <a:solidFill>
+                  <a:schemeClr val="accent3">
+                    <a:lumMod val="75000"/>
+                  </a:schemeClr>
+                </a:solidFill>
+                <a:effectLst/>
+                <a:latin typeface="+mn-lt"/>
+              </a:rPr>
+              <a:t>Metric:</a:t>
+            </a:r>
+            <a:r>
+              <a:rPr kumimoji="0" lang="fr-FR" sz="1000" b="0" i="1" u="none" strike="noStrike" cap="none" normalizeH="0" dirty="0" smtClean="0">
+                <a:ln>
+                  <a:noFill/>
+                </a:ln>
+                <a:solidFill>
+                  <a:schemeClr val="accent3">
+                    <a:lumMod val="75000"/>
+                  </a:schemeClr>
+                </a:solidFill>
+                <a:effectLst/>
+                <a:latin typeface="+mn-lt"/>
+              </a:rPr>
+              <a:t> </a:t>
+            </a:r>
+            <a:r>
+              <a:rPr kumimoji="0" lang="fr-FR" sz="1000" b="0" i="1" u="none" strike="noStrike" cap="none" normalizeH="0" baseline="0" dirty="0" smtClean="0">
+                <a:ln>
+                  <a:noFill/>
+                </a:ln>
+                <a:solidFill>
+                  <a:schemeClr val="accent3">
+                    <a:lumMod val="75000"/>
+                  </a:schemeClr>
+                </a:solidFill>
+                <a:effectLst/>
+                <a:latin typeface="+mn-lt"/>
+              </a:rPr>
+              <a:t>« Moyenne10s »</a:t>
+            </a:r>
+            <a:endParaRPr kumimoji="0" lang="fr-FR" sz="1000" b="0" i="1" u="none" strike="noStrike" cap="none" normalizeH="0" baseline="0" dirty="0" smtClean="0">
+              <a:ln>
+                <a:noFill/>
+              </a:ln>
+              <a:solidFill>
+                <a:schemeClr val="accent3">
+                  <a:lumMod val="75000"/>
+                </a:schemeClr>
+              </a:solidFill>
+              <a:effectLst/>
+              <a:latin typeface="+mn-lt"/>
+            </a:endParaRPr>
+          </a:p>
+        </p:txBody>
+      </p:sp>
+      <p:cxnSp>
+        <p:nvCxnSpPr>
+          <p:cNvPr id="121" name="Connecteur droit avec flèche 120"/>
+          <p:cNvCxnSpPr/>
+          <p:nvPr/>
+        </p:nvCxnSpPr>
+        <p:spPr bwMode="auto">
+          <a:xfrm>
+            <a:off x="7814514" y="2063921"/>
+            <a:ext cx="0" cy="2789695"/>
+          </a:xfrm>
+          <a:prstGeom prst="straightConnector1">
+            <a:avLst/>
+          </a:prstGeom>
+          <a:solidFill>
+            <a:schemeClr val="accent1"/>
+          </a:solidFill>
+          <a:ln w="9525" cap="flat" cmpd="sng" algn="ctr">
+            <a:solidFill>
+              <a:srgbClr val="FF0000"/>
+            </a:solidFill>
+            <a:prstDash val="solid"/>
+            <a:round/>
+            <a:headEnd type="none" w="med" len="med"/>
+            <a:tailEnd type="arrow"/>
+          </a:ln>
+          <a:effectLst/>
+        </p:spPr>
+      </p:cxnSp>
+      <p:cxnSp>
+        <p:nvCxnSpPr>
+          <p:cNvPr id="124" name="Connecteur droit 123"/>
+          <p:cNvCxnSpPr>
+            <a:stCxn id="108" idx="3"/>
+          </p:cNvCxnSpPr>
+          <p:nvPr/>
+        </p:nvCxnSpPr>
+        <p:spPr bwMode="auto">
+          <a:xfrm flipV="1">
+            <a:off x="3514347" y="2063921"/>
+            <a:ext cx="4300167" cy="16162"/>
+          </a:xfrm>
+          <a:prstGeom prst="line">
+            <a:avLst/>
+          </a:prstGeom>
+          <a:solidFill>
+            <a:schemeClr val="accent1"/>
+          </a:solidFill>
+          <a:ln w="9525" cap="flat" cmpd="sng" algn="ctr">
+            <a:solidFill>
+              <a:srgbClr val="FF0000"/>
+            </a:solidFill>
+            <a:prstDash val="solid"/>
+            <a:round/>
+            <a:headEnd type="none" w="med" len="med"/>
+            <a:tailEnd type="none" w="med" len="med"/>
+          </a:ln>
+          <a:effectLst/>
+        </p:spPr>
+      </p:cxnSp>
+      <p:cxnSp>
+        <p:nvCxnSpPr>
+          <p:cNvPr id="126" name="Connecteur droit 125"/>
+          <p:cNvCxnSpPr/>
+          <p:nvPr/>
+        </p:nvCxnSpPr>
+        <p:spPr bwMode="auto">
+          <a:xfrm>
+            <a:off x="7183334" y="3201523"/>
+            <a:ext cx="783580" cy="0"/>
+          </a:xfrm>
+          <a:prstGeom prst="line">
+            <a:avLst/>
+          </a:prstGeom>
+          <a:solidFill>
+            <a:schemeClr val="accent1"/>
+          </a:solidFill>
+          <a:ln w="9525" cap="flat" cmpd="sng" algn="ctr">
+            <a:solidFill>
+              <a:srgbClr val="FF0000"/>
+            </a:solidFill>
+            <a:prstDash val="solid"/>
+            <a:round/>
+            <a:headEnd type="none" w="med" len="med"/>
+            <a:tailEnd type="none" w="med" len="med"/>
+          </a:ln>
+          <a:effectLst/>
+        </p:spPr>
+      </p:cxnSp>
+      <p:cxnSp>
+        <p:nvCxnSpPr>
+          <p:cNvPr id="128" name="Connecteur droit avec flèche 127"/>
+          <p:cNvCxnSpPr/>
+          <p:nvPr/>
+        </p:nvCxnSpPr>
+        <p:spPr bwMode="auto">
+          <a:xfrm>
+            <a:off x="7966914" y="3201523"/>
+            <a:ext cx="0" cy="1652093"/>
+          </a:xfrm>
+          <a:prstGeom prst="straightConnector1">
+            <a:avLst/>
+          </a:prstGeom>
+          <a:solidFill>
+            <a:schemeClr val="accent1"/>
+          </a:solidFill>
+          <a:ln w="9525" cap="flat" cmpd="sng" algn="ctr">
+            <a:solidFill>
+              <a:srgbClr val="FF0000"/>
+            </a:solidFill>
+            <a:prstDash val="solid"/>
+            <a:round/>
+            <a:headEnd type="none" w="med" len="med"/>
+            <a:tailEnd type="arrow"/>
+          </a:ln>
+          <a:effectLst/>
+        </p:spPr>
+      </p:cxnSp>
+      <p:cxnSp>
+        <p:nvCxnSpPr>
+          <p:cNvPr id="133" name="Connecteur droit avec flèche 132"/>
+          <p:cNvCxnSpPr/>
+          <p:nvPr/>
+        </p:nvCxnSpPr>
+        <p:spPr bwMode="auto">
+          <a:xfrm>
+            <a:off x="7629925" y="3509508"/>
+            <a:ext cx="0" cy="1344108"/>
+          </a:xfrm>
+          <a:prstGeom prst="straightConnector1">
+            <a:avLst/>
+          </a:prstGeom>
+          <a:solidFill>
+            <a:schemeClr val="accent1"/>
+          </a:solidFill>
+          <a:ln w="9525" cap="flat" cmpd="sng" algn="ctr">
+            <a:solidFill>
+              <a:srgbClr val="FF0000"/>
+            </a:solidFill>
+            <a:prstDash val="solid"/>
+            <a:round/>
+            <a:headEnd type="none" w="med" len="med"/>
+            <a:tailEnd type="arrow"/>
+          </a:ln>
+          <a:effectLst/>
+        </p:spPr>
+      </p:cxnSp>
+      <p:cxnSp>
+        <p:nvCxnSpPr>
+          <p:cNvPr id="135" name="Connecteur droit 134"/>
+          <p:cNvCxnSpPr/>
+          <p:nvPr/>
+        </p:nvCxnSpPr>
+        <p:spPr bwMode="auto">
+          <a:xfrm flipV="1">
+            <a:off x="5010411" y="3507977"/>
+            <a:ext cx="2619514" cy="9772"/>
+          </a:xfrm>
+          <a:prstGeom prst="line">
+            <a:avLst/>
+          </a:prstGeom>
+          <a:solidFill>
+            <a:schemeClr val="accent1"/>
+          </a:solidFill>
+          <a:ln w="9525" cap="flat" cmpd="sng" algn="ctr">
+            <a:solidFill>
+              <a:srgbClr val="FF0000"/>
+            </a:solidFill>
+            <a:prstDash val="solid"/>
+            <a:round/>
+            <a:headEnd type="none" w="med" len="med"/>
+            <a:tailEnd type="none" w="med" len="med"/>
+          </a:ln>
+          <a:effectLst/>
+        </p:spPr>
+      </p:cxnSp>
+      <p:cxnSp>
+        <p:nvCxnSpPr>
+          <p:cNvPr id="138" name="Connecteur droit 137"/>
+          <p:cNvCxnSpPr/>
+          <p:nvPr/>
+        </p:nvCxnSpPr>
+        <p:spPr bwMode="auto">
+          <a:xfrm>
+            <a:off x="5010411" y="3365167"/>
+            <a:ext cx="0" cy="142810"/>
+          </a:xfrm>
+          <a:prstGeom prst="line">
+            <a:avLst/>
+          </a:prstGeom>
+          <a:solidFill>
+            <a:schemeClr val="accent1"/>
+          </a:solidFill>
+          <a:ln w="9525" cap="flat" cmpd="sng" algn="ctr">
+            <a:solidFill>
+              <a:srgbClr val="FF0000"/>
+            </a:solidFill>
+            <a:prstDash val="solid"/>
+            <a:round/>
+            <a:headEnd type="none" w="med" len="med"/>
+            <a:tailEnd type="none" w="med" len="med"/>
+          </a:ln>
+          <a:effectLst/>
+        </p:spPr>
+      </p:cxnSp>
+      <p:sp>
+        <p:nvSpPr>
+          <p:cNvPr id="141" name="Bulle rectangulaire à coins arrondis 140"/>
+          <p:cNvSpPr/>
+          <p:nvPr/>
+        </p:nvSpPr>
+        <p:spPr bwMode="auto">
+          <a:xfrm>
+            <a:off x="6086740" y="1517425"/>
+            <a:ext cx="1013252" cy="314560"/>
+          </a:xfrm>
+          <a:prstGeom prst="wedgeRoundRectCallout">
+            <a:avLst>
+              <a:gd name="adj1" fmla="val -37592"/>
+              <a:gd name="adj2" fmla="val 112746"/>
+              <a:gd name="adj3" fmla="val 16667"/>
+            </a:avLst>
+          </a:prstGeom>
+          <a:solidFill>
+            <a:schemeClr val="accent4"/>
+          </a:solidFill>
+          <a:ln w="25400" cap="flat" cmpd="sng" algn="ctr">
+            <a:solidFill>
+              <a:srgbClr val="FF0000"/>
+            </a:solidFill>
+            <a:prstDash val="solid"/>
+          </a:ln>
+          <a:effectLst/>
+        </p:spPr>
+        <p:txBody>
+          <a:bodyPr anchor="ctr"/>
+          <a:lstStyle/>
+          <a:p>
+            <a:pPr marL="0" marR="0" lvl="0" indent="0" algn="ctr" defTabSz="914400" eaLnBrk="1" fontAlgn="auto" latinLnBrk="0" hangingPunct="1">
+              <a:lnSpc>
+                <a:spcPct val="100000"/>
+              </a:lnSpc>
+              <a:spcBef>
+                <a:spcPts val="0"/>
+              </a:spcBef>
+              <a:spcAft>
+                <a:spcPts val="0"/>
+              </a:spcAft>
+              <a:buClrTx/>
+              <a:buSzTx/>
+              <a:buFontTx/>
+              <a:buNone/>
+              <a:tabLst/>
+              <a:defRPr/>
+            </a:pPr>
+            <a:r>
+              <a:rPr lang="fr-FR" sz="900" kern="0" dirty="0" smtClean="0">
+                <a:solidFill>
+                  <a:srgbClr val="FFFFFF"/>
+                </a:solidFill>
+                <a:latin typeface="Comic Sans MS"/>
+                <a:ea typeface="ＭＳ Ｐゴシック"/>
+                <a:cs typeface="Comic Sans MS"/>
+              </a:rPr>
+              <a:t>Throttling </a:t>
+            </a:r>
+            <a:r>
+              <a:rPr lang="fr-FR" sz="900" kern="0" dirty="0" err="1" smtClean="0">
+                <a:solidFill>
+                  <a:srgbClr val="FFFFFF"/>
+                </a:solidFill>
+                <a:latin typeface="Comic Sans MS"/>
+                <a:ea typeface="ＭＳ Ｐゴシック"/>
+                <a:cs typeface="Comic Sans MS"/>
+              </a:rPr>
+              <a:t>Rule</a:t>
+            </a:r>
+            <a:r>
+              <a:rPr lang="fr-FR" sz="900" kern="0" dirty="0">
+                <a:solidFill>
+                  <a:srgbClr val="FFFFFF"/>
+                </a:solidFill>
+                <a:latin typeface="Comic Sans MS"/>
+                <a:ea typeface="ＭＳ Ｐゴシック"/>
+                <a:cs typeface="Comic Sans MS"/>
+              </a:rPr>
+              <a:t> </a:t>
+            </a:r>
+            <a:r>
+              <a:rPr lang="fr-FR" sz="900" kern="0" dirty="0" smtClean="0">
+                <a:solidFill>
+                  <a:srgbClr val="FFFFFF"/>
+                </a:solidFill>
+                <a:latin typeface="Comic Sans MS"/>
+                <a:ea typeface="ＭＳ Ｐゴシック"/>
+                <a:cs typeface="Comic Sans MS"/>
+              </a:rPr>
+              <a:t>violated</a:t>
+            </a:r>
+          </a:p>
+        </p:txBody>
+      </p:sp>
+      <p:sp>
+        <p:nvSpPr>
+          <p:cNvPr id="142" name="Bulle rectangulaire à coins arrondis 141"/>
+          <p:cNvSpPr/>
+          <p:nvPr/>
+        </p:nvSpPr>
+        <p:spPr bwMode="auto">
+          <a:xfrm>
+            <a:off x="7460288" y="2665300"/>
+            <a:ext cx="1013252" cy="314560"/>
+          </a:xfrm>
+          <a:prstGeom prst="wedgeRoundRectCallout">
+            <a:avLst>
+              <a:gd name="adj1" fmla="val -37592"/>
+              <a:gd name="adj2" fmla="val 112746"/>
+              <a:gd name="adj3" fmla="val 16667"/>
+            </a:avLst>
+          </a:prstGeom>
+          <a:solidFill>
+            <a:schemeClr val="accent4"/>
+          </a:solidFill>
+          <a:ln w="25400" cap="flat" cmpd="sng" algn="ctr">
+            <a:solidFill>
+              <a:srgbClr val="FF0000"/>
+            </a:solidFill>
+            <a:prstDash val="solid"/>
+          </a:ln>
+          <a:effectLst/>
+        </p:spPr>
+        <p:txBody>
+          <a:bodyPr anchor="ctr"/>
+          <a:lstStyle/>
+          <a:p>
+            <a:pPr marL="0" marR="0" lvl="0" indent="0" algn="ctr" defTabSz="914400" eaLnBrk="1" fontAlgn="auto" latinLnBrk="0" hangingPunct="1">
+              <a:lnSpc>
+                <a:spcPct val="100000"/>
+              </a:lnSpc>
+              <a:spcBef>
+                <a:spcPts val="0"/>
+              </a:spcBef>
+              <a:spcAft>
+                <a:spcPts val="0"/>
+              </a:spcAft>
+              <a:buClrTx/>
+              <a:buSzTx/>
+              <a:buFontTx/>
+              <a:buNone/>
+              <a:tabLst/>
+              <a:defRPr/>
+            </a:pPr>
+            <a:r>
+              <a:rPr lang="fr-FR" sz="900" kern="0" dirty="0" smtClean="0">
+                <a:solidFill>
+                  <a:srgbClr val="FFFFFF"/>
+                </a:solidFill>
+                <a:latin typeface="Comic Sans MS"/>
+                <a:ea typeface="ＭＳ Ｐゴシック"/>
+                <a:cs typeface="Comic Sans MS"/>
+              </a:rPr>
+              <a:t>SLA</a:t>
+            </a:r>
+          </a:p>
+          <a:p>
+            <a:pPr marL="0" marR="0" lvl="0" indent="0" algn="ctr" defTabSz="914400" eaLnBrk="1" fontAlgn="auto" latinLnBrk="0" hangingPunct="1">
+              <a:lnSpc>
+                <a:spcPct val="100000"/>
+              </a:lnSpc>
+              <a:spcBef>
+                <a:spcPts val="0"/>
+              </a:spcBef>
+              <a:spcAft>
+                <a:spcPts val="0"/>
+              </a:spcAft>
+              <a:buClrTx/>
+              <a:buSzTx/>
+              <a:buFontTx/>
+              <a:buNone/>
+              <a:tabLst/>
+              <a:defRPr/>
+            </a:pPr>
+            <a:r>
+              <a:rPr lang="fr-FR" sz="900" kern="0" dirty="0" err="1" smtClean="0">
+                <a:solidFill>
+                  <a:srgbClr val="FFFFFF"/>
+                </a:solidFill>
+                <a:latin typeface="Comic Sans MS"/>
+                <a:ea typeface="ＭＳ Ｐゴシック"/>
+                <a:cs typeface="Comic Sans MS"/>
+              </a:rPr>
+              <a:t>Rule</a:t>
+            </a:r>
+            <a:r>
+              <a:rPr lang="fr-FR" sz="900" kern="0" dirty="0" smtClean="0">
+                <a:solidFill>
+                  <a:srgbClr val="FFFFFF"/>
+                </a:solidFill>
+                <a:latin typeface="Comic Sans MS"/>
+                <a:ea typeface="ＭＳ Ｐゴシック"/>
+                <a:cs typeface="Comic Sans MS"/>
+              </a:rPr>
+              <a:t> violated</a:t>
+            </a:r>
+          </a:p>
+        </p:txBody>
+      </p:sp>
+    </p:spTree>
+    <p:extLst>
+      <p:ext uri="{BB962C8B-B14F-4D97-AF65-F5344CB8AC3E}">
+        <p14:creationId xmlns:p14="http://schemas.microsoft.com/office/powerpoint/2010/main" val="4277382337"/>
+      </p:ext>
+    </p:extLst>
+  </p:cSld>
+  <p:clrMapOvr>
+    <a:masterClrMapping/>
+  </p:clrMapOvr>
 </p:sld>
 </file>
 
